--- a/Slides/Lecture07 - Design Patterns in Practice.pptx
+++ b/Slides/Lecture07 - Design Patterns in Practice.pptx
@@ -6,10 +6,10 @@
     <p:sldMasterId id="2147484675" r:id="rId5"/>
   </p:sldMasterIdLst>
   <p:notesMasterIdLst>
-    <p:notesMasterId r:id="rId24"/>
+    <p:notesMasterId r:id="rId25"/>
   </p:notesMasterIdLst>
   <p:handoutMasterIdLst>
-    <p:handoutMasterId r:id="rId25"/>
+    <p:handoutMasterId r:id="rId26"/>
   </p:handoutMasterIdLst>
   <p:sldIdLst>
     <p:sldId id="1663" r:id="rId6"/>
@@ -19,17 +19,18 @@
     <p:sldId id="1682" r:id="rId10"/>
     <p:sldId id="1680" r:id="rId11"/>
     <p:sldId id="1681" r:id="rId12"/>
-    <p:sldId id="1664" r:id="rId13"/>
-    <p:sldId id="1666" r:id="rId14"/>
-    <p:sldId id="1670" r:id="rId15"/>
-    <p:sldId id="1667" r:id="rId16"/>
-    <p:sldId id="1668" r:id="rId17"/>
-    <p:sldId id="1671" r:id="rId18"/>
-    <p:sldId id="1672" r:id="rId19"/>
-    <p:sldId id="1673" r:id="rId20"/>
-    <p:sldId id="1674" r:id="rId21"/>
-    <p:sldId id="1675" r:id="rId22"/>
-    <p:sldId id="1676" r:id="rId23"/>
+    <p:sldId id="1683" r:id="rId13"/>
+    <p:sldId id="1664" r:id="rId14"/>
+    <p:sldId id="1666" r:id="rId15"/>
+    <p:sldId id="1670" r:id="rId16"/>
+    <p:sldId id="1667" r:id="rId17"/>
+    <p:sldId id="1668" r:id="rId18"/>
+    <p:sldId id="1671" r:id="rId19"/>
+    <p:sldId id="1672" r:id="rId20"/>
+    <p:sldId id="1673" r:id="rId21"/>
+    <p:sldId id="1674" r:id="rId22"/>
+    <p:sldId id="1675" r:id="rId23"/>
+    <p:sldId id="1676" r:id="rId24"/>
   </p:sldIdLst>
   <p:sldSz cx="12192000" cy="6858000"/>
   <p:notesSz cx="6858000" cy="9144000"/>
@@ -140,6 +141,7 @@
             <p14:sldId id="1682"/>
             <p14:sldId id="1680"/>
             <p14:sldId id="1681"/>
+            <p14:sldId id="1683"/>
             <p14:sldId id="1664"/>
             <p14:sldId id="1666"/>
             <p14:sldId id="1670"/>
@@ -1422,7 +1424,7 @@
               <a:rPr lang="en-US" smtClean="0">
                 <a:latin typeface="Segoe UI" pitchFamily="34" charset="0"/>
               </a:rPr>
-              <a:t>10/6/2019 6:19 PM</a:t>
+              <a:t>10/20/2019 11:20 AM</a:t>
             </a:fld>
             <a:endParaRPr lang="en-US" dirty="0">
               <a:latin typeface="Segoe UI" pitchFamily="34" charset="0"/>
@@ -1700,7 +1702,7 @@
           <a:p>
             <a:fld id="{386CE63F-9E7F-4C04-9D0D-FCA25A8E9E86}" type="datetime8">
               <a:rPr lang="en-US" smtClean="0"/>
-              <a:t>10/6/2019 6:19 PM</a:t>
+              <a:t>10/20/2019 11:20 AM</a:t>
             </a:fld>
             <a:endParaRPr lang="en-US" dirty="0"/>
           </a:p>
@@ -2067,7 +2069,7 @@
           <a:p>
             <a:fld id="{321E5A7B-BB8D-4368-A182-109669521632}" type="datetime8">
               <a:rPr lang="en-US" smtClean="0"/>
-              <a:t>10/6/2019 6:19 PM</a:t>
+              <a:t>10/20/2019 11:20 AM</a:t>
             </a:fld>
             <a:endParaRPr lang="en-US" dirty="0"/>
           </a:p>
@@ -20656,6 +20658,170 @@
           <p:cNvPr id="2" name="Title 1">
             <a:extLst>
               <a:ext uri="{FF2B5EF4-FFF2-40B4-BE49-F238E27FC236}">
+                <a16:creationId xmlns:a16="http://schemas.microsoft.com/office/drawing/2014/main" id="{3C675E5D-0097-4CFE-BC2F-B66426B7C367}"/>
+              </a:ext>
+            </a:extLst>
+          </p:cNvPr>
+          <p:cNvSpPr>
+            <a:spLocks noGrp="1"/>
+          </p:cNvSpPr>
+          <p:nvPr>
+            <p:ph type="title"/>
+          </p:nvPr>
+        </p:nvSpPr>
+        <p:spPr/>
+        <p:txBody>
+          <a:bodyPr/>
+          <a:lstStyle/>
+          <a:p>
+            <a:r>
+              <a:rPr lang="en-US" dirty="0" err="1"/>
+              <a:t>IoC</a:t>
+            </a:r>
+            <a:r>
+              <a:rPr lang="en-US" dirty="0"/>
+              <a:t> Container</a:t>
+            </a:r>
+          </a:p>
+        </p:txBody>
+      </p:sp>
+      <p:sp>
+        <p:nvSpPr>
+          <p:cNvPr id="3" name="Text Placeholder 2">
+            <a:extLst>
+              <a:ext uri="{FF2B5EF4-FFF2-40B4-BE49-F238E27FC236}">
+                <a16:creationId xmlns:a16="http://schemas.microsoft.com/office/drawing/2014/main" id="{AE60B6F9-DC27-4A8E-B239-B30A4F4FBA9A}"/>
+              </a:ext>
+            </a:extLst>
+          </p:cNvPr>
+          <p:cNvSpPr>
+            <a:spLocks noGrp="1"/>
+          </p:cNvSpPr>
+          <p:nvPr>
+            <p:ph type="body" sz="quarter" idx="10"/>
+          </p:nvPr>
+        </p:nvSpPr>
+        <p:spPr>
+          <a:xfrm>
+            <a:off x="586390" y="1434370"/>
+            <a:ext cx="11018520" cy="4481227"/>
+          </a:xfrm>
+        </p:spPr>
+        <p:txBody>
+          <a:bodyPr/>
+          <a:lstStyle/>
+          <a:p>
+            <a:r>
+              <a:rPr lang="en-US" dirty="0"/>
+              <a:t>Tool to facilitate dependency injection.</a:t>
+            </a:r>
+          </a:p>
+          <a:p>
+            <a:r>
+              <a:rPr lang="en-US" dirty="0"/>
+              <a:t>Using a factory to either manually or automatically create types at runtime.</a:t>
+            </a:r>
+          </a:p>
+          <a:p>
+            <a:r>
+              <a:rPr lang="en-US" dirty="0"/>
+              <a:t>Various implementations:</a:t>
+            </a:r>
+          </a:p>
+          <a:p>
+            <a:pPr marL="457200" indent="-457200">
+              <a:buFont typeface="Arial" panose="020B0604020202020204" pitchFamily="34" charset="0"/>
+              <a:buChar char="•"/>
+            </a:pPr>
+            <a:r>
+              <a:rPr lang="en-US" dirty="0" err="1"/>
+              <a:t>Microsoft.Extensions.DependencyInjection</a:t>
+            </a:r>
+            <a:endParaRPr lang="en-US" dirty="0"/>
+          </a:p>
+          <a:p>
+            <a:pPr marL="457200" indent="-457200">
+              <a:buFont typeface="Arial" panose="020B0604020202020204" pitchFamily="34" charset="0"/>
+              <a:buChar char="•"/>
+            </a:pPr>
+            <a:r>
+              <a:rPr lang="en-US" dirty="0" err="1"/>
+              <a:t>Ninject</a:t>
+            </a:r>
+            <a:endParaRPr lang="en-US" dirty="0"/>
+          </a:p>
+          <a:p>
+            <a:pPr marL="457200" indent="-457200">
+              <a:buFont typeface="Arial" panose="020B0604020202020204" pitchFamily="34" charset="0"/>
+              <a:buChar char="•"/>
+            </a:pPr>
+            <a:r>
+              <a:rPr lang="en-US" dirty="0"/>
+              <a:t>Unity</a:t>
+            </a:r>
+          </a:p>
+          <a:p>
+            <a:pPr marL="457200" indent="-457200">
+              <a:buFont typeface="Arial" panose="020B0604020202020204" pitchFamily="34" charset="0"/>
+              <a:buChar char="•"/>
+            </a:pPr>
+            <a:r>
+              <a:rPr lang="en-US" dirty="0" err="1"/>
+              <a:t>AutoFac</a:t>
+            </a:r>
+            <a:endParaRPr lang="en-US" dirty="0"/>
+          </a:p>
+          <a:p>
+            <a:pPr marL="457200" indent="-457200">
+              <a:buFont typeface="Arial" panose="020B0604020202020204" pitchFamily="34" charset="0"/>
+              <a:buChar char="•"/>
+            </a:pPr>
+            <a:r>
+              <a:rPr lang="en-US" dirty="0" err="1"/>
+              <a:t>StructureMap</a:t>
+            </a:r>
+            <a:endParaRPr lang="en-US" dirty="0"/>
+          </a:p>
+        </p:txBody>
+      </p:sp>
+    </p:spTree>
+    <p:extLst>
+      <p:ext uri="{BB962C8B-B14F-4D97-AF65-F5344CB8AC3E}">
+        <p14:creationId xmlns:p14="http://schemas.microsoft.com/office/powerpoint/2010/main" val="985669017"/>
+      </p:ext>
+    </p:extLst>
+  </p:cSld>
+  <p:clrMapOvr>
+    <a:masterClrMapping/>
+  </p:clrMapOvr>
+  <p:transition>
+    <p:fade/>
+  </p:transition>
+</p:sld>
+</file>
+
+<file path=ppt/slides/slide11.xml><?xml version="1.0" encoding="utf-8"?>
+<p:sld xmlns:a="http://schemas.openxmlformats.org/drawingml/2006/main" xmlns:r="http://schemas.openxmlformats.org/officeDocument/2006/relationships" xmlns:p="http://schemas.openxmlformats.org/presentationml/2006/main">
+  <p:cSld>
+    <p:spTree>
+      <p:nvGrpSpPr>
+        <p:cNvPr id="1" name=""/>
+        <p:cNvGrpSpPr/>
+        <p:nvPr/>
+      </p:nvGrpSpPr>
+      <p:grpSpPr>
+        <a:xfrm>
+          <a:off x="0" y="0"/>
+          <a:ext cx="0" cy="0"/>
+          <a:chOff x="0" y="0"/>
+          <a:chExt cx="0" cy="0"/>
+        </a:xfrm>
+      </p:grpSpPr>
+      <p:sp>
+        <p:nvSpPr>
+          <p:cNvPr id="2" name="Title 1">
+            <a:extLst>
+              <a:ext uri="{FF2B5EF4-FFF2-40B4-BE49-F238E27FC236}">
                 <a16:creationId xmlns:a16="http://schemas.microsoft.com/office/drawing/2014/main" id="{22D1D2A3-0AF1-42E5-AA03-ECE43847C364}"/>
               </a:ext>
             </a:extLst>
@@ -20758,7 +20924,7 @@
 </p:sld>
 </file>
 
-<file path=ppt/slides/slide11.xml><?xml version="1.0" encoding="utf-8"?>
+<file path=ppt/slides/slide12.xml><?xml version="1.0" encoding="utf-8"?>
 <p:sld xmlns:a="http://schemas.openxmlformats.org/drawingml/2006/main" xmlns:r="http://schemas.openxmlformats.org/officeDocument/2006/relationships" xmlns:p="http://schemas.openxmlformats.org/presentationml/2006/main">
   <p:cSld>
     <p:spTree>
@@ -20898,7 +21064,7 @@
 </p:sld>
 </file>
 
-<file path=ppt/slides/slide12.xml><?xml version="1.0" encoding="utf-8"?>
+<file path=ppt/slides/slide13.xml><?xml version="1.0" encoding="utf-8"?>
 <p:sld xmlns:a="http://schemas.openxmlformats.org/drawingml/2006/main" xmlns:r="http://schemas.openxmlformats.org/officeDocument/2006/relationships" xmlns:p="http://schemas.openxmlformats.org/presentationml/2006/main">
   <p:cSld>
     <p:spTree>
@@ -21027,7 +21193,7 @@
 </p:sld>
 </file>
 
-<file path=ppt/slides/slide13.xml><?xml version="1.0" encoding="utf-8"?>
+<file path=ppt/slides/slide14.xml><?xml version="1.0" encoding="utf-8"?>
 <p:sld xmlns:a="http://schemas.openxmlformats.org/drawingml/2006/main" xmlns:r="http://schemas.openxmlformats.org/officeDocument/2006/relationships" xmlns:p="http://schemas.openxmlformats.org/presentationml/2006/main">
   <p:cSld>
     <p:spTree>
@@ -21160,7 +21326,7 @@
 </p:sld>
 </file>
 
-<file path=ppt/slides/slide14.xml><?xml version="1.0" encoding="utf-8"?>
+<file path=ppt/slides/slide15.xml><?xml version="1.0" encoding="utf-8"?>
 <p:sld xmlns:a="http://schemas.openxmlformats.org/drawingml/2006/main" xmlns:r="http://schemas.openxmlformats.org/officeDocument/2006/relationships" xmlns:p="http://schemas.openxmlformats.org/presentationml/2006/main">
   <p:cSld>
     <p:spTree>
@@ -21307,7 +21473,7 @@
 </p:sld>
 </file>
 
-<file path=ppt/slides/slide15.xml><?xml version="1.0" encoding="utf-8"?>
+<file path=ppt/slides/slide16.xml><?xml version="1.0" encoding="utf-8"?>
 <p:sld xmlns:a="http://schemas.openxmlformats.org/drawingml/2006/main" xmlns:r="http://schemas.openxmlformats.org/officeDocument/2006/relationships" xmlns:p="http://schemas.openxmlformats.org/presentationml/2006/main">
   <p:cSld>
     <p:spTree>
@@ -21442,7 +21608,7 @@
 </p:sld>
 </file>
 
-<file path=ppt/slides/slide16.xml><?xml version="1.0" encoding="utf-8"?>
+<file path=ppt/slides/slide17.xml><?xml version="1.0" encoding="utf-8"?>
 <p:sld xmlns:a="http://schemas.openxmlformats.org/drawingml/2006/main" xmlns:r="http://schemas.openxmlformats.org/officeDocument/2006/relationships" xmlns:p="http://schemas.openxmlformats.org/presentationml/2006/main">
   <p:cSld>
     <p:spTree>
@@ -21571,7 +21737,7 @@
 </p:sld>
 </file>
 
-<file path=ppt/slides/slide17.xml><?xml version="1.0" encoding="utf-8"?>
+<file path=ppt/slides/slide18.xml><?xml version="1.0" encoding="utf-8"?>
 <p:sld xmlns:a="http://schemas.openxmlformats.org/drawingml/2006/main" xmlns:r="http://schemas.openxmlformats.org/officeDocument/2006/relationships" xmlns:p="http://schemas.openxmlformats.org/presentationml/2006/main">
   <p:cSld>
     <p:spTree>
@@ -21695,7 +21861,7 @@
 </p:sld>
 </file>
 
-<file path=ppt/slides/slide18.xml><?xml version="1.0" encoding="utf-8"?>
+<file path=ppt/slides/slide19.xml><?xml version="1.0" encoding="utf-8"?>
 <p:sld xmlns:a="http://schemas.openxmlformats.org/drawingml/2006/main" xmlns:r="http://schemas.openxmlformats.org/officeDocument/2006/relationships" xmlns:p="http://schemas.openxmlformats.org/presentationml/2006/main">
   <p:cSld>
     <p:spTree>
@@ -23896,6 +24062,76 @@
       </p:grpSpPr>
       <p:sp>
         <p:nvSpPr>
+          <p:cNvPr id="5" name="Title 4">
+            <a:extLst>
+              <a:ext uri="{FF2B5EF4-FFF2-40B4-BE49-F238E27FC236}">
+                <a16:creationId xmlns:a16="http://schemas.microsoft.com/office/drawing/2014/main" id="{5C11A39F-5003-4683-A478-A370734D8F87}"/>
+              </a:ext>
+            </a:extLst>
+          </p:cNvPr>
+          <p:cNvSpPr>
+            <a:spLocks noGrp="1"/>
+          </p:cNvSpPr>
+          <p:nvPr>
+            <p:ph type="title"/>
+          </p:nvPr>
+        </p:nvSpPr>
+        <p:spPr/>
+        <p:txBody>
+          <a:bodyPr/>
+          <a:lstStyle/>
+          <a:p>
+            <a:r>
+              <a:rPr lang="en-US" dirty="0"/>
+              <a:t>Design Patterns in Practice</a:t>
+            </a:r>
+          </a:p>
+        </p:txBody>
+      </p:sp>
+    </p:spTree>
+    <p:extLst>
+      <p:ext uri="{BB962C8B-B14F-4D97-AF65-F5344CB8AC3E}">
+        <p14:creationId xmlns:p14="http://schemas.microsoft.com/office/powerpoint/2010/main" val="3090743655"/>
+      </p:ext>
+    </p:extLst>
+  </p:cSld>
+  <p:clrMapOvr>
+    <a:masterClrMapping/>
+  </p:clrMapOvr>
+  <mc:AlternateContent xmlns:mc="http://schemas.openxmlformats.org/markup-compatibility/2006" xmlns:p14="http://schemas.microsoft.com/office/powerpoint/2010/main">
+    <mc:Choice Requires="p14">
+      <p:transition spd="med" p14:dur="700">
+        <p:fade/>
+      </p:transition>
+    </mc:Choice>
+    <mc:Fallback xmlns="">
+      <p:transition spd="med">
+        <p:fade/>
+      </p:transition>
+    </mc:Fallback>
+  </mc:AlternateContent>
+</p:sld>
+</file>
+
+<file path=ppt/slides/slide9.xml><?xml version="1.0" encoding="utf-8"?>
+<p:sld xmlns:a="http://schemas.openxmlformats.org/drawingml/2006/main" xmlns:r="http://schemas.openxmlformats.org/officeDocument/2006/relationships" xmlns:p="http://schemas.openxmlformats.org/presentationml/2006/main">
+  <p:cSld>
+    <p:spTree>
+      <p:nvGrpSpPr>
+        <p:cNvPr id="1" name=""/>
+        <p:cNvGrpSpPr/>
+        <p:nvPr/>
+      </p:nvGrpSpPr>
+      <p:grpSpPr>
+        <a:xfrm>
+          <a:off x="0" y="0"/>
+          <a:ext cx="0" cy="0"/>
+          <a:chOff x="0" y="0"/>
+          <a:chExt cx="0" cy="0"/>
+        </a:xfrm>
+      </p:grpSpPr>
+      <p:sp>
+        <p:nvSpPr>
           <p:cNvPr id="4" name="Title 3">
             <a:extLst>
               <a:ext uri="{FF2B5EF4-FFF2-40B4-BE49-F238E27FC236}">
@@ -24051,170 +24287,6 @@
     <p:extLst>
       <p:ext uri="{BB962C8B-B14F-4D97-AF65-F5344CB8AC3E}">
         <p14:creationId xmlns:p14="http://schemas.microsoft.com/office/powerpoint/2010/main" val="270978926"/>
-      </p:ext>
-    </p:extLst>
-  </p:cSld>
-  <p:clrMapOvr>
-    <a:masterClrMapping/>
-  </p:clrMapOvr>
-  <p:transition>
-    <p:fade/>
-  </p:transition>
-</p:sld>
-</file>
-
-<file path=ppt/slides/slide9.xml><?xml version="1.0" encoding="utf-8"?>
-<p:sld xmlns:a="http://schemas.openxmlformats.org/drawingml/2006/main" xmlns:r="http://schemas.openxmlformats.org/officeDocument/2006/relationships" xmlns:p="http://schemas.openxmlformats.org/presentationml/2006/main">
-  <p:cSld>
-    <p:spTree>
-      <p:nvGrpSpPr>
-        <p:cNvPr id="1" name=""/>
-        <p:cNvGrpSpPr/>
-        <p:nvPr/>
-      </p:nvGrpSpPr>
-      <p:grpSpPr>
-        <a:xfrm>
-          <a:off x="0" y="0"/>
-          <a:ext cx="0" cy="0"/>
-          <a:chOff x="0" y="0"/>
-          <a:chExt cx="0" cy="0"/>
-        </a:xfrm>
-      </p:grpSpPr>
-      <p:sp>
-        <p:nvSpPr>
-          <p:cNvPr id="2" name="Title 1">
-            <a:extLst>
-              <a:ext uri="{FF2B5EF4-FFF2-40B4-BE49-F238E27FC236}">
-                <a16:creationId xmlns:a16="http://schemas.microsoft.com/office/drawing/2014/main" id="{3C675E5D-0097-4CFE-BC2F-B66426B7C367}"/>
-              </a:ext>
-            </a:extLst>
-          </p:cNvPr>
-          <p:cNvSpPr>
-            <a:spLocks noGrp="1"/>
-          </p:cNvSpPr>
-          <p:nvPr>
-            <p:ph type="title"/>
-          </p:nvPr>
-        </p:nvSpPr>
-        <p:spPr/>
-        <p:txBody>
-          <a:bodyPr/>
-          <a:lstStyle/>
-          <a:p>
-            <a:r>
-              <a:rPr lang="en-US" dirty="0" err="1"/>
-              <a:t>IoC</a:t>
-            </a:r>
-            <a:r>
-              <a:rPr lang="en-US" dirty="0"/>
-              <a:t> Container</a:t>
-            </a:r>
-          </a:p>
-        </p:txBody>
-      </p:sp>
-      <p:sp>
-        <p:nvSpPr>
-          <p:cNvPr id="3" name="Text Placeholder 2">
-            <a:extLst>
-              <a:ext uri="{FF2B5EF4-FFF2-40B4-BE49-F238E27FC236}">
-                <a16:creationId xmlns:a16="http://schemas.microsoft.com/office/drawing/2014/main" id="{AE60B6F9-DC27-4A8E-B239-B30A4F4FBA9A}"/>
-              </a:ext>
-            </a:extLst>
-          </p:cNvPr>
-          <p:cNvSpPr>
-            <a:spLocks noGrp="1"/>
-          </p:cNvSpPr>
-          <p:nvPr>
-            <p:ph type="body" sz="quarter" idx="10"/>
-          </p:nvPr>
-        </p:nvSpPr>
-        <p:spPr>
-          <a:xfrm>
-            <a:off x="586390" y="1434370"/>
-            <a:ext cx="11018520" cy="4481227"/>
-          </a:xfrm>
-        </p:spPr>
-        <p:txBody>
-          <a:bodyPr/>
-          <a:lstStyle/>
-          <a:p>
-            <a:r>
-              <a:rPr lang="en-US" dirty="0"/>
-              <a:t>Tool to facilitate dependency injection.</a:t>
-            </a:r>
-          </a:p>
-          <a:p>
-            <a:r>
-              <a:rPr lang="en-US" dirty="0"/>
-              <a:t>Using a factory to either manually or automatically create types at runtime.</a:t>
-            </a:r>
-          </a:p>
-          <a:p>
-            <a:r>
-              <a:rPr lang="en-US" dirty="0"/>
-              <a:t>Various implementations:</a:t>
-            </a:r>
-          </a:p>
-          <a:p>
-            <a:pPr marL="457200" indent="-457200">
-              <a:buFont typeface="Arial" panose="020B0604020202020204" pitchFamily="34" charset="0"/>
-              <a:buChar char="•"/>
-            </a:pPr>
-            <a:r>
-              <a:rPr lang="en-US" dirty="0" err="1"/>
-              <a:t>Microsoft.Extensions.DependencyInjection</a:t>
-            </a:r>
-            <a:endParaRPr lang="en-US" dirty="0"/>
-          </a:p>
-          <a:p>
-            <a:pPr marL="457200" indent="-457200">
-              <a:buFont typeface="Arial" panose="020B0604020202020204" pitchFamily="34" charset="0"/>
-              <a:buChar char="•"/>
-            </a:pPr>
-            <a:r>
-              <a:rPr lang="en-US" dirty="0" err="1"/>
-              <a:t>Ninject</a:t>
-            </a:r>
-            <a:endParaRPr lang="en-US" dirty="0"/>
-          </a:p>
-          <a:p>
-            <a:pPr marL="457200" indent="-457200">
-              <a:buFont typeface="Arial" panose="020B0604020202020204" pitchFamily="34" charset="0"/>
-              <a:buChar char="•"/>
-            </a:pPr>
-            <a:r>
-              <a:rPr lang="en-US" dirty="0"/>
-              <a:t>Unity</a:t>
-            </a:r>
-          </a:p>
-          <a:p>
-            <a:pPr marL="457200" indent="-457200">
-              <a:buFont typeface="Arial" panose="020B0604020202020204" pitchFamily="34" charset="0"/>
-              <a:buChar char="•"/>
-            </a:pPr>
-            <a:r>
-              <a:rPr lang="en-US" dirty="0" err="1"/>
-              <a:t>AutoFac</a:t>
-            </a:r>
-            <a:endParaRPr lang="en-US" dirty="0"/>
-          </a:p>
-          <a:p>
-            <a:pPr marL="457200" indent="-457200">
-              <a:buFont typeface="Arial" panose="020B0604020202020204" pitchFamily="34" charset="0"/>
-              <a:buChar char="•"/>
-            </a:pPr>
-            <a:r>
-              <a:rPr lang="en-US" dirty="0" err="1"/>
-              <a:t>StructureMap</a:t>
-            </a:r>
-            <a:endParaRPr lang="en-US" dirty="0"/>
-          </a:p>
-        </p:txBody>
-      </p:sp>
-    </p:spTree>
-    <p:extLst>
-      <p:ext uri="{BB962C8B-B14F-4D97-AF65-F5344CB8AC3E}">
-        <p14:creationId xmlns:p14="http://schemas.microsoft.com/office/powerpoint/2010/main" val="985669017"/>
       </p:ext>
     </p:extLst>
   </p:cSld>
@@ -25380,6 +25452,23 @@
 </file>
 
 <file path=customXml/item1.xml><?xml version="1.0" encoding="utf-8"?>
+<p:properties xmlns:p="http://schemas.microsoft.com/office/2006/metadata/properties" xmlns:xsi="http://www.w3.org/2001/XMLSchema-instance" xmlns:pc="http://schemas.microsoft.com/office/infopath/2007/PartnerControls">
+  <documentManagement>
+    <MediaServiceKeyPoints xmlns="965de625-df5b-42e9-a277-2113da4f1195" xsi:nil="true"/>
+  </documentManagement>
+</p:properties>
+</file>
+
+<file path=customXml/item2.xml><?xml version="1.0" encoding="utf-8"?>
+<?mso-contentType ?>
+<FormTemplates xmlns="http://schemas.microsoft.com/sharepoint/v3/contenttype/forms">
+  <Display>DocumentLibraryForm</Display>
+  <Edit>DocumentLibraryForm</Edit>
+  <New>DocumentLibraryForm</New>
+</FormTemplates>
+</file>
+
+<file path=customXml/item3.xml><?xml version="1.0" encoding="utf-8"?>
 <ct:contentTypeSchema xmlns:ct="http://schemas.microsoft.com/office/2006/metadata/contentType" xmlns:ma="http://schemas.microsoft.com/office/2006/metadata/properties/metaAttributes" ct:_="" ma:_="" ma:contentTypeName="Document" ma:contentTypeID="0x010100BD9FAF4CD5AD2F4B99B5B2414089ABF7" ma:contentTypeVersion="14" ma:contentTypeDescription="Create a new document." ma:contentTypeScope="" ma:versionID="15419eb272c8997d22174cab72b81ac5">
   <xsd:schema xmlns:xsd="http://www.w3.org/2001/XMLSchema" xmlns:xs="http://www.w3.org/2001/XMLSchema" xmlns:p="http://schemas.microsoft.com/office/2006/metadata/properties" xmlns:ns2="dcf5ddc1-fb1d-440f-849a-6450bddbaed7" xmlns:ns3="965de625-df5b-42e9-a277-2113da4f1195" targetNamespace="http://schemas.microsoft.com/office/2006/metadata/properties" ma:root="true" ma:fieldsID="366f960d0717a06e650b8dd07cd5f805" ns2:_="" ns3:_="">
     <xsd:import namespace="dcf5ddc1-fb1d-440f-849a-6450bddbaed7"/>
@@ -25610,24 +25699,34 @@
 </ct:contentTypeSchema>
 </file>
 
-<file path=customXml/item2.xml><?xml version="1.0" encoding="utf-8"?>
-<?mso-contentType ?>
-<FormTemplates xmlns="http://schemas.microsoft.com/sharepoint/v3/contenttype/forms">
-  <Display>DocumentLibraryForm</Display>
-  <Edit>DocumentLibraryForm</Edit>
-  <New>DocumentLibraryForm</New>
-</FormTemplates>
+<file path=customXml/itemProps1.xml><?xml version="1.0" encoding="utf-8"?>
+<ds:datastoreItem xmlns:ds="http://schemas.openxmlformats.org/officeDocument/2006/customXml" ds:itemID="{F990F116-B58F-4255-B05B-DA3808E0E5C6}">
+  <ds:schemaRefs>
+    <ds:schemaRef ds:uri="http://purl.org/dc/elements/1.1/"/>
+    <ds:schemaRef ds:uri="http://schemas.microsoft.com/office/2006/metadata/properties"/>
+    <ds:schemaRef ds:uri="e4aa919a-b200-49cb-beca-4c7e0810321e"/>
+    <ds:schemaRef ds:uri="06670dda-0291-4061-b6e0-f6c0cb392c51"/>
+    <ds:schemaRef ds:uri="http://schemas.microsoft.com/office/2006/documentManagement/types"/>
+    <ds:schemaRef ds:uri="http://schemas.microsoft.com/office/infopath/2007/PartnerControls"/>
+    <ds:schemaRef ds:uri="http://purl.org/dc/dcmitype/"/>
+    <ds:schemaRef ds:uri="http://schemas.microsoft.com/sharepoint/v3"/>
+    <ds:schemaRef ds:uri="http://schemas.openxmlformats.org/package/2006/metadata/core-properties"/>
+    <ds:schemaRef ds:uri="http://www.w3.org/XML/1998/namespace"/>
+    <ds:schemaRef ds:uri="http://purl.org/dc/terms/"/>
+    <ds:schemaRef ds:uri="965de625-df5b-42e9-a277-2113da4f1195"/>
+  </ds:schemaRefs>
+</ds:datastoreItem>
 </file>
 
-<file path=customXml/item3.xml><?xml version="1.0" encoding="utf-8"?>
-<p:properties xmlns:p="http://schemas.microsoft.com/office/2006/metadata/properties" xmlns:xsi="http://www.w3.org/2001/XMLSchema-instance" xmlns:pc="http://schemas.microsoft.com/office/infopath/2007/PartnerControls">
-  <documentManagement>
-    <MediaServiceKeyPoints xmlns="965de625-df5b-42e9-a277-2113da4f1195" xsi:nil="true"/>
-  </documentManagement>
-</p:properties>
+<file path=customXml/itemProps2.xml><?xml version="1.0" encoding="utf-8"?>
+<ds:datastoreItem xmlns:ds="http://schemas.openxmlformats.org/officeDocument/2006/customXml" ds:itemID="{758FDAC0-319D-4A54-8D8E-1D42CB1F8004}">
+  <ds:schemaRefs>
+    <ds:schemaRef ds:uri="http://schemas.microsoft.com/sharepoint/v3/contenttype/forms"/>
+  </ds:schemaRefs>
+</ds:datastoreItem>
 </file>
 
-<file path=customXml/itemProps1.xml><?xml version="1.0" encoding="utf-8"?>
+<file path=customXml/itemProps3.xml><?xml version="1.0" encoding="utf-8"?>
 <ds:datastoreItem xmlns:ds="http://schemas.openxmlformats.org/officeDocument/2006/customXml" ds:itemID="{B28DDFE8-80D6-4A60-B5D6-41E509D3A2B4}">
   <ds:schemaRefs>
     <ds:schemaRef ds:uri="http://schemas.microsoft.com/office/2006/metadata/contentType"/>
@@ -25644,31 +25743,4 @@
     <ds:schemaRef ds:uri="http://schemas.microsoft.com/internal/obd"/>
   </ds:schemaRefs>
 </ds:datastoreItem>
-</file>
-
-<file path=customXml/itemProps2.xml><?xml version="1.0" encoding="utf-8"?>
-<ds:datastoreItem xmlns:ds="http://schemas.openxmlformats.org/officeDocument/2006/customXml" ds:itemID="{758FDAC0-319D-4A54-8D8E-1D42CB1F8004}">
-  <ds:schemaRefs>
-    <ds:schemaRef ds:uri="http://schemas.microsoft.com/sharepoint/v3/contenttype/forms"/>
-  </ds:schemaRefs>
-</ds:datastoreItem>
-</file>
-
-<file path=customXml/itemProps3.xml><?xml version="1.0" encoding="utf-8"?>
-<ds:datastoreItem xmlns:ds="http://schemas.openxmlformats.org/officeDocument/2006/customXml" ds:itemID="{F990F116-B58F-4255-B05B-DA3808E0E5C6}">
-  <ds:schemaRefs>
-    <ds:schemaRef ds:uri="http://purl.org/dc/elements/1.1/"/>
-    <ds:schemaRef ds:uri="http://schemas.microsoft.com/office/2006/metadata/properties"/>
-    <ds:schemaRef ds:uri="e4aa919a-b200-49cb-beca-4c7e0810321e"/>
-    <ds:schemaRef ds:uri="06670dda-0291-4061-b6e0-f6c0cb392c51"/>
-    <ds:schemaRef ds:uri="http://schemas.microsoft.com/office/2006/documentManagement/types"/>
-    <ds:schemaRef ds:uri="http://schemas.microsoft.com/office/infopath/2007/PartnerControls"/>
-    <ds:schemaRef ds:uri="http://purl.org/dc/dcmitype/"/>
-    <ds:schemaRef ds:uri="http://schemas.microsoft.com/sharepoint/v3"/>
-    <ds:schemaRef ds:uri="http://schemas.openxmlformats.org/package/2006/metadata/core-properties"/>
-    <ds:schemaRef ds:uri="http://www.w3.org/XML/1998/namespace"/>
-    <ds:schemaRef ds:uri="http://purl.org/dc/terms/"/>
-    <ds:schemaRef ds:uri="965de625-df5b-42e9-a277-2113da4f1195"/>
-  </ds:schemaRefs>
-</ds:datastoreItem>
 </file>
--- a/Slides/Lecture07 - Design Patterns in Practice.pptx
+++ b/Slides/Lecture07 - Design Patterns in Practice.pptx
@@ -6,10 +6,10 @@
     <p:sldMasterId id="2147484675" r:id="rId5"/>
   </p:sldMasterIdLst>
   <p:notesMasterIdLst>
-    <p:notesMasterId r:id="rId25"/>
+    <p:notesMasterId r:id="rId26"/>
   </p:notesMasterIdLst>
   <p:handoutMasterIdLst>
-    <p:handoutMasterId r:id="rId26"/>
+    <p:handoutMasterId r:id="rId27"/>
   </p:handoutMasterIdLst>
   <p:sldIdLst>
     <p:sldId id="1663" r:id="rId6"/>
@@ -27,10 +27,11 @@
     <p:sldId id="1668" r:id="rId18"/>
     <p:sldId id="1671" r:id="rId19"/>
     <p:sldId id="1672" r:id="rId20"/>
-    <p:sldId id="1673" r:id="rId21"/>
-    <p:sldId id="1674" r:id="rId22"/>
-    <p:sldId id="1675" r:id="rId23"/>
-    <p:sldId id="1676" r:id="rId24"/>
+    <p:sldId id="1684" r:id="rId21"/>
+    <p:sldId id="1673" r:id="rId22"/>
+    <p:sldId id="1674" r:id="rId23"/>
+    <p:sldId id="1675" r:id="rId24"/>
+    <p:sldId id="1676" r:id="rId25"/>
   </p:sldIdLst>
   <p:sldSz cx="12192000" cy="6858000"/>
   <p:notesSz cx="6858000" cy="9144000"/>
@@ -149,6 +150,7 @@
             <p14:sldId id="1668"/>
             <p14:sldId id="1671"/>
             <p14:sldId id="1672"/>
+            <p14:sldId id="1684"/>
             <p14:sldId id="1673"/>
             <p14:sldId id="1674"/>
             <p14:sldId id="1675"/>
@@ -1424,7 +1426,7 @@
               <a:rPr lang="en-US" smtClean="0">
                 <a:latin typeface="Segoe UI" pitchFamily="34" charset="0"/>
               </a:rPr>
-              <a:t>10/20/2019 11:20 AM</a:t>
+              <a:t>10/23/2019 5:17 PM</a:t>
             </a:fld>
             <a:endParaRPr lang="en-US" dirty="0">
               <a:latin typeface="Segoe UI" pitchFamily="34" charset="0"/>
@@ -1702,7 +1704,7 @@
           <a:p>
             <a:fld id="{386CE63F-9E7F-4C04-9D0D-FCA25A8E9E86}" type="datetime8">
               <a:rPr lang="en-US" smtClean="0"/>
-              <a:t>10/20/2019 11:20 AM</a:t>
+              <a:t>10/23/2019 5:17 PM</a:t>
             </a:fld>
             <a:endParaRPr lang="en-US" dirty="0"/>
           </a:p>
@@ -2069,7 +2071,7 @@
           <a:p>
             <a:fld id="{321E5A7B-BB8D-4368-A182-109669521632}" type="datetime8">
               <a:rPr lang="en-US" smtClean="0"/>
-              <a:t>10/20/2019 11:20 AM</a:t>
+              <a:t>10/23/2019 5:17 PM</a:t>
             </a:fld>
             <a:endParaRPr lang="en-US" dirty="0"/>
           </a:p>
@@ -21495,6 +21497,206 @@
           <p:cNvPr id="2" name="Title 1">
             <a:extLst>
               <a:ext uri="{FF2B5EF4-FFF2-40B4-BE49-F238E27FC236}">
+                <a16:creationId xmlns:a16="http://schemas.microsoft.com/office/drawing/2014/main" id="{D52DCDCB-0E02-49BB-9DF3-89AD90F9681B}"/>
+              </a:ext>
+            </a:extLst>
+          </p:cNvPr>
+          <p:cNvSpPr>
+            <a:spLocks noGrp="1"/>
+          </p:cNvSpPr>
+          <p:nvPr>
+            <p:ph type="title"/>
+          </p:nvPr>
+        </p:nvSpPr>
+        <p:spPr/>
+        <p:txBody>
+          <a:bodyPr/>
+          <a:lstStyle/>
+          <a:p>
+            <a:r>
+              <a:rPr lang="en-US" dirty="0"/>
+              <a:t>Iterator</a:t>
+            </a:r>
+          </a:p>
+        </p:txBody>
+      </p:sp>
+      <p:sp>
+        <p:nvSpPr>
+          <p:cNvPr id="3" name="Text Placeholder 2">
+            <a:extLst>
+              <a:ext uri="{FF2B5EF4-FFF2-40B4-BE49-F238E27FC236}">
+                <a16:creationId xmlns:a16="http://schemas.microsoft.com/office/drawing/2014/main" id="{AC441A3B-B99A-4C8E-9650-5CE61363EEB1}"/>
+              </a:ext>
+            </a:extLst>
+          </p:cNvPr>
+          <p:cNvSpPr>
+            <a:spLocks noGrp="1"/>
+          </p:cNvSpPr>
+          <p:nvPr>
+            <p:ph type="body" sz="quarter" idx="10"/>
+          </p:nvPr>
+        </p:nvSpPr>
+        <p:spPr>
+          <a:xfrm>
+            <a:off x="586390" y="1434370"/>
+            <a:ext cx="11018520" cy="4395049"/>
+          </a:xfrm>
+        </p:spPr>
+        <p:txBody>
+          <a:bodyPr/>
+          <a:lstStyle/>
+          <a:p>
+            <a:r>
+              <a:rPr lang="en-US" dirty="0"/>
+              <a:t>Provide a way to access the elements of an aggregate object (collection) sequentially without exposing the underlying representation</a:t>
+            </a:r>
+          </a:p>
+          <a:p>
+            <a:endParaRPr lang="en-US" dirty="0"/>
+          </a:p>
+          <a:p>
+            <a:r>
+              <a:rPr lang="en-US" dirty="0" err="1">
+                <a:latin typeface="Consolas" panose="020B0609020204030204" pitchFamily="49" charset="0"/>
+              </a:rPr>
+              <a:t>IEnumerable</a:t>
+            </a:r>
+            <a:endParaRPr lang="en-US" dirty="0"/>
+          </a:p>
+          <a:p>
+            <a:r>
+              <a:rPr lang="en-US" dirty="0" err="1">
+                <a:latin typeface="Consolas" panose="020B0609020204030204" pitchFamily="49" charset="0"/>
+              </a:rPr>
+              <a:t>IEnumerable</a:t>
+            </a:r>
+            <a:r>
+              <a:rPr lang="en-US" dirty="0">
+                <a:latin typeface="Consolas" panose="020B0609020204030204" pitchFamily="49" charset="0"/>
+              </a:rPr>
+              <a:t>&lt;T&gt;</a:t>
+            </a:r>
+          </a:p>
+          <a:p>
+            <a:r>
+              <a:rPr lang="en-US" dirty="0" err="1">
+                <a:latin typeface="Consolas" panose="020B0609020204030204" pitchFamily="49" charset="0"/>
+              </a:rPr>
+              <a:t>IEnumerator</a:t>
+            </a:r>
+            <a:endParaRPr lang="en-US" dirty="0">
+              <a:latin typeface="Consolas" panose="020B0609020204030204" pitchFamily="49" charset="0"/>
+            </a:endParaRPr>
+          </a:p>
+          <a:p>
+            <a:r>
+              <a:rPr lang="en-US" dirty="0" err="1">
+                <a:latin typeface="Consolas" panose="020B0609020204030204" pitchFamily="49" charset="0"/>
+              </a:rPr>
+              <a:t>IEnumerator</a:t>
+            </a:r>
+            <a:r>
+              <a:rPr lang="en-US" dirty="0">
+                <a:latin typeface="Consolas" panose="020B0609020204030204" pitchFamily="49" charset="0"/>
+              </a:rPr>
+              <a:t>&lt;T&gt;</a:t>
+            </a:r>
+          </a:p>
+          <a:p>
+            <a:r>
+              <a:rPr lang="en-US" dirty="0">
+                <a:latin typeface="Consolas" panose="020B0609020204030204" pitchFamily="49" charset="0"/>
+              </a:rPr>
+              <a:t>foreach...</a:t>
+            </a:r>
+          </a:p>
+        </p:txBody>
+      </p:sp>
+      <p:pic>
+        <p:nvPicPr>
+          <p:cNvPr id="1026" name="Picture 2">
+            <a:extLst>
+              <a:ext uri="{FF2B5EF4-FFF2-40B4-BE49-F238E27FC236}">
+                <a16:creationId xmlns:a16="http://schemas.microsoft.com/office/drawing/2014/main" id="{4C158993-D74D-41E9-86CE-57134AC1CF8E}"/>
+              </a:ext>
+            </a:extLst>
+          </p:cNvPr>
+          <p:cNvPicPr>
+            <a:picLocks noChangeAspect="1" noChangeArrowheads="1"/>
+          </p:cNvPicPr>
+          <p:nvPr/>
+        </p:nvPicPr>
+        <p:blipFill>
+          <a:blip r:embed="rId2">
+            <a:extLst>
+              <a:ext uri="{28A0092B-C50C-407E-A947-70E740481C1C}">
+                <a14:useLocalDpi xmlns:a14="http://schemas.microsoft.com/office/drawing/2010/main" val="0"/>
+              </a:ext>
+            </a:extLst>
+          </a:blip>
+          <a:srcRect/>
+          <a:stretch>
+            <a:fillRect/>
+          </a:stretch>
+        </p:blipFill>
+        <p:spPr bwMode="auto">
+          <a:xfrm>
+            <a:off x="5924550" y="2412365"/>
+            <a:ext cx="6267450" cy="4400550"/>
+          </a:xfrm>
+          <a:prstGeom prst="rect">
+            <a:avLst/>
+          </a:prstGeom>
+          <a:noFill/>
+          <a:extLst>
+            <a:ext uri="{909E8E84-426E-40DD-AFC4-6F175D3DCCD1}">
+              <a14:hiddenFill xmlns:a14="http://schemas.microsoft.com/office/drawing/2010/main">
+                <a:solidFill>
+                  <a:srgbClr val="FFFFFF"/>
+                </a:solidFill>
+              </a14:hiddenFill>
+            </a:ext>
+          </a:extLst>
+        </p:spPr>
+      </p:pic>
+    </p:spTree>
+    <p:extLst>
+      <p:ext uri="{BB962C8B-B14F-4D97-AF65-F5344CB8AC3E}">
+        <p14:creationId xmlns:p14="http://schemas.microsoft.com/office/powerpoint/2010/main" val="82424691"/>
+      </p:ext>
+    </p:extLst>
+  </p:cSld>
+  <p:clrMapOvr>
+    <a:masterClrMapping/>
+  </p:clrMapOvr>
+  <p:transition>
+    <p:fade/>
+  </p:transition>
+</p:sld>
+</file>
+
+<file path=ppt/slides/slide17.xml><?xml version="1.0" encoding="utf-8"?>
+<p:sld xmlns:a="http://schemas.openxmlformats.org/drawingml/2006/main" xmlns:r="http://schemas.openxmlformats.org/officeDocument/2006/relationships" xmlns:p="http://schemas.openxmlformats.org/presentationml/2006/main">
+  <p:cSld>
+    <p:spTree>
+      <p:nvGrpSpPr>
+        <p:cNvPr id="1" name=""/>
+        <p:cNvGrpSpPr/>
+        <p:nvPr/>
+      </p:nvGrpSpPr>
+      <p:grpSpPr>
+        <a:xfrm>
+          <a:off x="0" y="0"/>
+          <a:ext cx="0" cy="0"/>
+          <a:chOff x="0" y="0"/>
+          <a:chExt cx="0" cy="0"/>
+        </a:xfrm>
+      </p:grpSpPr>
+      <p:sp>
+        <p:nvSpPr>
+          <p:cNvPr id="2" name="Title 1">
+            <a:extLst>
+              <a:ext uri="{FF2B5EF4-FFF2-40B4-BE49-F238E27FC236}">
                 <a16:creationId xmlns:a16="http://schemas.microsoft.com/office/drawing/2014/main" id="{A20D8B27-9B02-4A09-BA30-501063540498}"/>
               </a:ext>
             </a:extLst>
@@ -21608,7 +21810,7 @@
 </p:sld>
 </file>
 
-<file path=ppt/slides/slide17.xml><?xml version="1.0" encoding="utf-8"?>
+<file path=ppt/slides/slide18.xml><?xml version="1.0" encoding="utf-8"?>
 <p:sld xmlns:a="http://schemas.openxmlformats.org/drawingml/2006/main" xmlns:r="http://schemas.openxmlformats.org/officeDocument/2006/relationships" xmlns:p="http://schemas.openxmlformats.org/presentationml/2006/main">
   <p:cSld>
     <p:spTree>
@@ -21737,7 +21939,7 @@
 </p:sld>
 </file>
 
-<file path=ppt/slides/slide18.xml><?xml version="1.0" encoding="utf-8"?>
+<file path=ppt/slides/slide19.xml><?xml version="1.0" encoding="utf-8"?>
 <p:sld xmlns:a="http://schemas.openxmlformats.org/drawingml/2006/main" xmlns:r="http://schemas.openxmlformats.org/officeDocument/2006/relationships" xmlns:p="http://schemas.openxmlformats.org/presentationml/2006/main">
   <p:cSld>
     <p:spTree>
@@ -21849,130 +22051,6 @@
     <p:extLst>
       <p:ext uri="{BB962C8B-B14F-4D97-AF65-F5344CB8AC3E}">
         <p14:creationId xmlns:p14="http://schemas.microsoft.com/office/powerpoint/2010/main" val="3028581117"/>
-      </p:ext>
-    </p:extLst>
-  </p:cSld>
-  <p:clrMapOvr>
-    <a:masterClrMapping/>
-  </p:clrMapOvr>
-  <p:transition>
-    <p:fade/>
-  </p:transition>
-</p:sld>
-</file>
-
-<file path=ppt/slides/slide19.xml><?xml version="1.0" encoding="utf-8"?>
-<p:sld xmlns:a="http://schemas.openxmlformats.org/drawingml/2006/main" xmlns:r="http://schemas.openxmlformats.org/officeDocument/2006/relationships" xmlns:p="http://schemas.openxmlformats.org/presentationml/2006/main">
-  <p:cSld>
-    <p:spTree>
-      <p:nvGrpSpPr>
-        <p:cNvPr id="1" name=""/>
-        <p:cNvGrpSpPr/>
-        <p:nvPr/>
-      </p:nvGrpSpPr>
-      <p:grpSpPr>
-        <a:xfrm>
-          <a:off x="0" y="0"/>
-          <a:ext cx="0" cy="0"/>
-          <a:chOff x="0" y="0"/>
-          <a:chExt cx="0" cy="0"/>
-        </a:xfrm>
-      </p:grpSpPr>
-      <p:sp>
-        <p:nvSpPr>
-          <p:cNvPr id="2" name="Title 1">
-            <a:extLst>
-              <a:ext uri="{FF2B5EF4-FFF2-40B4-BE49-F238E27FC236}">
-                <a16:creationId xmlns:a16="http://schemas.microsoft.com/office/drawing/2014/main" id="{BD05B1B1-C35B-4073-9F8C-7CAA5CA57777}"/>
-              </a:ext>
-            </a:extLst>
-          </p:cNvPr>
-          <p:cNvSpPr>
-            <a:spLocks noGrp="1"/>
-          </p:cNvSpPr>
-          <p:nvPr>
-            <p:ph type="title"/>
-          </p:nvPr>
-        </p:nvSpPr>
-        <p:spPr/>
-        <p:txBody>
-          <a:bodyPr/>
-          <a:lstStyle/>
-          <a:p>
-            <a:r>
-              <a:rPr lang="en-US" dirty="0"/>
-              <a:t>Bridge</a:t>
-            </a:r>
-          </a:p>
-        </p:txBody>
-      </p:sp>
-      <p:sp>
-        <p:nvSpPr>
-          <p:cNvPr id="3" name="Text Placeholder 2">
-            <a:extLst>
-              <a:ext uri="{FF2B5EF4-FFF2-40B4-BE49-F238E27FC236}">
-                <a16:creationId xmlns:a16="http://schemas.microsoft.com/office/drawing/2014/main" id="{F741E6C0-49DF-47A6-8906-1B294E4F6D63}"/>
-              </a:ext>
-            </a:extLst>
-          </p:cNvPr>
-          <p:cNvSpPr>
-            <a:spLocks noGrp="1"/>
-          </p:cNvSpPr>
-          <p:nvPr>
-            <p:ph type="body" sz="quarter" idx="10"/>
-          </p:nvPr>
-        </p:nvSpPr>
-        <p:spPr>
-          <a:xfrm>
-            <a:off x="586390" y="1434370"/>
-            <a:ext cx="11018520" cy="861774"/>
-          </a:xfrm>
-        </p:spPr>
-        <p:txBody>
-          <a:bodyPr/>
-          <a:lstStyle/>
-          <a:p>
-            <a:r>
-              <a:rPr lang="en-US" dirty="0"/>
-              <a:t>Decouple an abstraction from its implementation so that the two can vary independently. </a:t>
-            </a:r>
-          </a:p>
-        </p:txBody>
-      </p:sp>
-      <p:pic>
-        <p:nvPicPr>
-          <p:cNvPr id="4" name="Picture 3">
-            <a:extLst>
-              <a:ext uri="{FF2B5EF4-FFF2-40B4-BE49-F238E27FC236}">
-                <a16:creationId xmlns:a16="http://schemas.microsoft.com/office/drawing/2014/main" id="{02BB85A3-C649-4992-9373-CA7EA4F9BB92}"/>
-              </a:ext>
-            </a:extLst>
-          </p:cNvPr>
-          <p:cNvPicPr>
-            <a:picLocks noChangeAspect="1"/>
-          </p:cNvPicPr>
-          <p:nvPr/>
-        </p:nvPicPr>
-        <p:blipFill>
-          <a:blip r:embed="rId2"/>
-          <a:stretch>
-            <a:fillRect/>
-          </a:stretch>
-        </p:blipFill>
-        <p:spPr>
-          <a:xfrm>
-            <a:off x="3048010" y="2719316"/>
-            <a:ext cx="6095980" cy="3986880"/>
-          </a:xfrm>
-          <a:prstGeom prst="rect">
-            <a:avLst/>
-          </a:prstGeom>
-        </p:spPr>
-      </p:pic>
-    </p:spTree>
-    <p:extLst>
-      <p:ext uri="{BB962C8B-B14F-4D97-AF65-F5344CB8AC3E}">
-        <p14:creationId xmlns:p14="http://schemas.microsoft.com/office/powerpoint/2010/main" val="2777379272"/>
       </p:ext>
     </p:extLst>
   </p:cSld>
@@ -22073,6 +22151,130 @@
     <p:extLst>
       <p:ext uri="{BB962C8B-B14F-4D97-AF65-F5344CB8AC3E}">
         <p14:creationId xmlns:p14="http://schemas.microsoft.com/office/powerpoint/2010/main" val="3200594698"/>
+      </p:ext>
+    </p:extLst>
+  </p:cSld>
+  <p:clrMapOvr>
+    <a:masterClrMapping/>
+  </p:clrMapOvr>
+  <p:transition>
+    <p:fade/>
+  </p:transition>
+</p:sld>
+</file>
+
+<file path=ppt/slides/slide20.xml><?xml version="1.0" encoding="utf-8"?>
+<p:sld xmlns:a="http://schemas.openxmlformats.org/drawingml/2006/main" xmlns:r="http://schemas.openxmlformats.org/officeDocument/2006/relationships" xmlns:p="http://schemas.openxmlformats.org/presentationml/2006/main">
+  <p:cSld>
+    <p:spTree>
+      <p:nvGrpSpPr>
+        <p:cNvPr id="1" name=""/>
+        <p:cNvGrpSpPr/>
+        <p:nvPr/>
+      </p:nvGrpSpPr>
+      <p:grpSpPr>
+        <a:xfrm>
+          <a:off x="0" y="0"/>
+          <a:ext cx="0" cy="0"/>
+          <a:chOff x="0" y="0"/>
+          <a:chExt cx="0" cy="0"/>
+        </a:xfrm>
+      </p:grpSpPr>
+      <p:sp>
+        <p:nvSpPr>
+          <p:cNvPr id="2" name="Title 1">
+            <a:extLst>
+              <a:ext uri="{FF2B5EF4-FFF2-40B4-BE49-F238E27FC236}">
+                <a16:creationId xmlns:a16="http://schemas.microsoft.com/office/drawing/2014/main" id="{BD05B1B1-C35B-4073-9F8C-7CAA5CA57777}"/>
+              </a:ext>
+            </a:extLst>
+          </p:cNvPr>
+          <p:cNvSpPr>
+            <a:spLocks noGrp="1"/>
+          </p:cNvSpPr>
+          <p:nvPr>
+            <p:ph type="title"/>
+          </p:nvPr>
+        </p:nvSpPr>
+        <p:spPr/>
+        <p:txBody>
+          <a:bodyPr/>
+          <a:lstStyle/>
+          <a:p>
+            <a:r>
+              <a:rPr lang="en-US" dirty="0"/>
+              <a:t>Bridge</a:t>
+            </a:r>
+          </a:p>
+        </p:txBody>
+      </p:sp>
+      <p:sp>
+        <p:nvSpPr>
+          <p:cNvPr id="3" name="Text Placeholder 2">
+            <a:extLst>
+              <a:ext uri="{FF2B5EF4-FFF2-40B4-BE49-F238E27FC236}">
+                <a16:creationId xmlns:a16="http://schemas.microsoft.com/office/drawing/2014/main" id="{F741E6C0-49DF-47A6-8906-1B294E4F6D63}"/>
+              </a:ext>
+            </a:extLst>
+          </p:cNvPr>
+          <p:cNvSpPr>
+            <a:spLocks noGrp="1"/>
+          </p:cNvSpPr>
+          <p:nvPr>
+            <p:ph type="body" sz="quarter" idx="10"/>
+          </p:nvPr>
+        </p:nvSpPr>
+        <p:spPr>
+          <a:xfrm>
+            <a:off x="586390" y="1434370"/>
+            <a:ext cx="11018520" cy="861774"/>
+          </a:xfrm>
+        </p:spPr>
+        <p:txBody>
+          <a:bodyPr/>
+          <a:lstStyle/>
+          <a:p>
+            <a:r>
+              <a:rPr lang="en-US" dirty="0"/>
+              <a:t>Decouple an abstraction from its implementation so that the two can vary independently. </a:t>
+            </a:r>
+          </a:p>
+        </p:txBody>
+      </p:sp>
+      <p:pic>
+        <p:nvPicPr>
+          <p:cNvPr id="4" name="Picture 3">
+            <a:extLst>
+              <a:ext uri="{FF2B5EF4-FFF2-40B4-BE49-F238E27FC236}">
+                <a16:creationId xmlns:a16="http://schemas.microsoft.com/office/drawing/2014/main" id="{02BB85A3-C649-4992-9373-CA7EA4F9BB92}"/>
+              </a:ext>
+            </a:extLst>
+          </p:cNvPr>
+          <p:cNvPicPr>
+            <a:picLocks noChangeAspect="1"/>
+          </p:cNvPicPr>
+          <p:nvPr/>
+        </p:nvPicPr>
+        <p:blipFill>
+          <a:blip r:embed="rId2"/>
+          <a:stretch>
+            <a:fillRect/>
+          </a:stretch>
+        </p:blipFill>
+        <p:spPr>
+          <a:xfrm>
+            <a:off x="3048010" y="2719316"/>
+            <a:ext cx="6095980" cy="3986880"/>
+          </a:xfrm>
+          <a:prstGeom prst="rect">
+            <a:avLst/>
+          </a:prstGeom>
+        </p:spPr>
+      </p:pic>
+    </p:spTree>
+    <p:extLst>
+      <p:ext uri="{BB962C8B-B14F-4D97-AF65-F5344CB8AC3E}">
+        <p14:creationId xmlns:p14="http://schemas.microsoft.com/office/powerpoint/2010/main" val="2777379272"/>
       </p:ext>
     </p:extLst>
   </p:cSld>
@@ -24176,7 +24378,9 @@
         </p:nvSpPr>
         <p:spPr/>
         <p:txBody>
-          <a:bodyPr/>
+          <a:bodyPr>
+            <a:noAutofit/>
+          </a:bodyPr>
           <a:lstStyle/>
           <a:p>
             <a:r>
@@ -24204,6 +24408,12 @@
             <a:r>
               <a:rPr lang="en-US" dirty="0"/>
               <a:t>Singleton</a:t>
+            </a:r>
+          </a:p>
+          <a:p>
+            <a:r>
+              <a:rPr lang="en-US" dirty="0"/>
+              <a:t>Iterator</a:t>
             </a:r>
           </a:p>
           <a:p>
@@ -25452,23 +25662,6 @@
 </file>
 
 <file path=customXml/item1.xml><?xml version="1.0" encoding="utf-8"?>
-<p:properties xmlns:p="http://schemas.microsoft.com/office/2006/metadata/properties" xmlns:xsi="http://www.w3.org/2001/XMLSchema-instance" xmlns:pc="http://schemas.microsoft.com/office/infopath/2007/PartnerControls">
-  <documentManagement>
-    <MediaServiceKeyPoints xmlns="965de625-df5b-42e9-a277-2113da4f1195" xsi:nil="true"/>
-  </documentManagement>
-</p:properties>
-</file>
-
-<file path=customXml/item2.xml><?xml version="1.0" encoding="utf-8"?>
-<?mso-contentType ?>
-<FormTemplates xmlns="http://schemas.microsoft.com/sharepoint/v3/contenttype/forms">
-  <Display>DocumentLibraryForm</Display>
-  <Edit>DocumentLibraryForm</Edit>
-  <New>DocumentLibraryForm</New>
-</FormTemplates>
-</file>
-
-<file path=customXml/item3.xml><?xml version="1.0" encoding="utf-8"?>
 <ct:contentTypeSchema xmlns:ct="http://schemas.microsoft.com/office/2006/metadata/contentType" xmlns:ma="http://schemas.microsoft.com/office/2006/metadata/properties/metaAttributes" ct:_="" ma:_="" ma:contentTypeName="Document" ma:contentTypeID="0x010100BD9FAF4CD5AD2F4B99B5B2414089ABF7" ma:contentTypeVersion="14" ma:contentTypeDescription="Create a new document." ma:contentTypeScope="" ma:versionID="15419eb272c8997d22174cab72b81ac5">
   <xsd:schema xmlns:xsd="http://www.w3.org/2001/XMLSchema" xmlns:xs="http://www.w3.org/2001/XMLSchema" xmlns:p="http://schemas.microsoft.com/office/2006/metadata/properties" xmlns:ns2="dcf5ddc1-fb1d-440f-849a-6450bddbaed7" xmlns:ns3="965de625-df5b-42e9-a277-2113da4f1195" targetNamespace="http://schemas.microsoft.com/office/2006/metadata/properties" ma:root="true" ma:fieldsID="366f960d0717a06e650b8dd07cd5f805" ns2:_="" ns3:_="">
     <xsd:import namespace="dcf5ddc1-fb1d-440f-849a-6450bddbaed7"/>
@@ -25699,7 +25892,51 @@
 </ct:contentTypeSchema>
 </file>
 
+<file path=customXml/item2.xml><?xml version="1.0" encoding="utf-8"?>
+<?mso-contentType ?>
+<FormTemplates xmlns="http://schemas.microsoft.com/sharepoint/v3/contenttype/forms">
+  <Display>DocumentLibraryForm</Display>
+  <Edit>DocumentLibraryForm</Edit>
+  <New>DocumentLibraryForm</New>
+</FormTemplates>
+</file>
+
+<file path=customXml/item3.xml><?xml version="1.0" encoding="utf-8"?>
+<p:properties xmlns:p="http://schemas.microsoft.com/office/2006/metadata/properties" xmlns:xsi="http://www.w3.org/2001/XMLSchema-instance" xmlns:pc="http://schemas.microsoft.com/office/infopath/2007/PartnerControls">
+  <documentManagement>
+    <MediaServiceKeyPoints xmlns="965de625-df5b-42e9-a277-2113da4f1195" xsi:nil="true"/>
+  </documentManagement>
+</p:properties>
+</file>
+
 <file path=customXml/itemProps1.xml><?xml version="1.0" encoding="utf-8"?>
+<ds:datastoreItem xmlns:ds="http://schemas.openxmlformats.org/officeDocument/2006/customXml" ds:itemID="{B28DDFE8-80D6-4A60-B5D6-41E509D3A2B4}">
+  <ds:schemaRefs>
+    <ds:schemaRef ds:uri="http://schemas.microsoft.com/office/2006/metadata/contentType"/>
+    <ds:schemaRef ds:uri="http://schemas.microsoft.com/office/2006/metadata/properties/metaAttributes"/>
+    <ds:schemaRef ds:uri="http://www.w3.org/2001/XMLSchema"/>
+    <ds:schemaRef ds:uri="http://schemas.microsoft.com/office/2006/metadata/properties"/>
+    <ds:schemaRef ds:uri="dcf5ddc1-fb1d-440f-849a-6450bddbaed7"/>
+    <ds:schemaRef ds:uri="965de625-df5b-42e9-a277-2113da4f1195"/>
+    <ds:schemaRef ds:uri="http://schemas.microsoft.com/office/2006/documentManagement/types"/>
+    <ds:schemaRef ds:uri="http://schemas.microsoft.com/office/infopath/2007/PartnerControls"/>
+    <ds:schemaRef ds:uri="http://schemas.openxmlformats.org/package/2006/metadata/core-properties"/>
+    <ds:schemaRef ds:uri="http://purl.org/dc/elements/1.1/"/>
+    <ds:schemaRef ds:uri="http://purl.org/dc/terms/"/>
+    <ds:schemaRef ds:uri="http://schemas.microsoft.com/internal/obd"/>
+  </ds:schemaRefs>
+</ds:datastoreItem>
+</file>
+
+<file path=customXml/itemProps2.xml><?xml version="1.0" encoding="utf-8"?>
+<ds:datastoreItem xmlns:ds="http://schemas.openxmlformats.org/officeDocument/2006/customXml" ds:itemID="{758FDAC0-319D-4A54-8D8E-1D42CB1F8004}">
+  <ds:schemaRefs>
+    <ds:schemaRef ds:uri="http://schemas.microsoft.com/sharepoint/v3/contenttype/forms"/>
+  </ds:schemaRefs>
+</ds:datastoreItem>
+</file>
+
+<file path=customXml/itemProps3.xml><?xml version="1.0" encoding="utf-8"?>
 <ds:datastoreItem xmlns:ds="http://schemas.openxmlformats.org/officeDocument/2006/customXml" ds:itemID="{F990F116-B58F-4255-B05B-DA3808E0E5C6}">
   <ds:schemaRefs>
     <ds:schemaRef ds:uri="http://purl.org/dc/elements/1.1/"/>
@@ -25716,31 +25953,4 @@
     <ds:schemaRef ds:uri="965de625-df5b-42e9-a277-2113da4f1195"/>
   </ds:schemaRefs>
 </ds:datastoreItem>
-</file>
-
-<file path=customXml/itemProps2.xml><?xml version="1.0" encoding="utf-8"?>
-<ds:datastoreItem xmlns:ds="http://schemas.openxmlformats.org/officeDocument/2006/customXml" ds:itemID="{758FDAC0-319D-4A54-8D8E-1D42CB1F8004}">
-  <ds:schemaRefs>
-    <ds:schemaRef ds:uri="http://schemas.microsoft.com/sharepoint/v3/contenttype/forms"/>
-  </ds:schemaRefs>
-</ds:datastoreItem>
-</file>
-
-<file path=customXml/itemProps3.xml><?xml version="1.0" encoding="utf-8"?>
-<ds:datastoreItem xmlns:ds="http://schemas.openxmlformats.org/officeDocument/2006/customXml" ds:itemID="{B28DDFE8-80D6-4A60-B5D6-41E509D3A2B4}">
-  <ds:schemaRefs>
-    <ds:schemaRef ds:uri="http://schemas.microsoft.com/office/2006/metadata/contentType"/>
-    <ds:schemaRef ds:uri="http://schemas.microsoft.com/office/2006/metadata/properties/metaAttributes"/>
-    <ds:schemaRef ds:uri="http://www.w3.org/2001/XMLSchema"/>
-    <ds:schemaRef ds:uri="http://schemas.microsoft.com/office/2006/metadata/properties"/>
-    <ds:schemaRef ds:uri="dcf5ddc1-fb1d-440f-849a-6450bddbaed7"/>
-    <ds:schemaRef ds:uri="965de625-df5b-42e9-a277-2113da4f1195"/>
-    <ds:schemaRef ds:uri="http://schemas.microsoft.com/office/2006/documentManagement/types"/>
-    <ds:schemaRef ds:uri="http://schemas.microsoft.com/office/infopath/2007/PartnerControls"/>
-    <ds:schemaRef ds:uri="http://schemas.openxmlformats.org/package/2006/metadata/core-properties"/>
-    <ds:schemaRef ds:uri="http://purl.org/dc/elements/1.1/"/>
-    <ds:schemaRef ds:uri="http://purl.org/dc/terms/"/>
-    <ds:schemaRef ds:uri="http://schemas.microsoft.com/internal/obd"/>
-  </ds:schemaRefs>
-</ds:datastoreItem>
 </file>
--- a/Slides/Lecture07 - Design Patterns in Practice.pptx
+++ b/Slides/Lecture07 - Design Patterns in Practice.pptx
@@ -6,32 +6,33 @@
     <p:sldMasterId id="2147484675" r:id="rId5"/>
   </p:sldMasterIdLst>
   <p:notesMasterIdLst>
-    <p:notesMasterId r:id="rId26"/>
+    <p:notesMasterId r:id="rId27"/>
   </p:notesMasterIdLst>
   <p:handoutMasterIdLst>
-    <p:handoutMasterId r:id="rId27"/>
+    <p:handoutMasterId r:id="rId28"/>
   </p:handoutMasterIdLst>
   <p:sldIdLst>
     <p:sldId id="1663" r:id="rId6"/>
     <p:sldId id="1677" r:id="rId7"/>
     <p:sldId id="1678" r:id="rId8"/>
     <p:sldId id="1679" r:id="rId9"/>
-    <p:sldId id="1682" r:id="rId10"/>
-    <p:sldId id="1680" r:id="rId11"/>
+    <p:sldId id="1680" r:id="rId10"/>
+    <p:sldId id="1685" r:id="rId11"/>
     <p:sldId id="1681" r:id="rId12"/>
-    <p:sldId id="1683" r:id="rId13"/>
-    <p:sldId id="1664" r:id="rId14"/>
-    <p:sldId id="1666" r:id="rId15"/>
-    <p:sldId id="1670" r:id="rId16"/>
-    <p:sldId id="1667" r:id="rId17"/>
-    <p:sldId id="1668" r:id="rId18"/>
-    <p:sldId id="1671" r:id="rId19"/>
-    <p:sldId id="1672" r:id="rId20"/>
-    <p:sldId id="1684" r:id="rId21"/>
-    <p:sldId id="1673" r:id="rId22"/>
-    <p:sldId id="1674" r:id="rId23"/>
-    <p:sldId id="1675" r:id="rId24"/>
-    <p:sldId id="1676" r:id="rId25"/>
+    <p:sldId id="1682" r:id="rId13"/>
+    <p:sldId id="1683" r:id="rId14"/>
+    <p:sldId id="1664" r:id="rId15"/>
+    <p:sldId id="1666" r:id="rId16"/>
+    <p:sldId id="1670" r:id="rId17"/>
+    <p:sldId id="1667" r:id="rId18"/>
+    <p:sldId id="1668" r:id="rId19"/>
+    <p:sldId id="1671" r:id="rId20"/>
+    <p:sldId id="1672" r:id="rId21"/>
+    <p:sldId id="1684" r:id="rId22"/>
+    <p:sldId id="1673" r:id="rId23"/>
+    <p:sldId id="1674" r:id="rId24"/>
+    <p:sldId id="1675" r:id="rId25"/>
+    <p:sldId id="1676" r:id="rId26"/>
   </p:sldIdLst>
   <p:sldSz cx="12192000" cy="6858000"/>
   <p:notesSz cx="6858000" cy="9144000"/>
@@ -139,9 +140,10 @@
             <p14:sldId id="1677"/>
             <p14:sldId id="1678"/>
             <p14:sldId id="1679"/>
+            <p14:sldId id="1680"/>
+            <p14:sldId id="1685"/>
+            <p14:sldId id="1681"/>
             <p14:sldId id="1682"/>
-            <p14:sldId id="1680"/>
-            <p14:sldId id="1681"/>
             <p14:sldId id="1683"/>
             <p14:sldId id="1664"/>
             <p14:sldId id="1666"/>
@@ -1426,7 +1428,7 @@
               <a:rPr lang="en-US" smtClean="0">
                 <a:latin typeface="Segoe UI" pitchFamily="34" charset="0"/>
               </a:rPr>
-              <a:t>10/23/2019 5:17 PM</a:t>
+              <a:t>10/25/2019 9:12 AM</a:t>
             </a:fld>
             <a:endParaRPr lang="en-US" dirty="0">
               <a:latin typeface="Segoe UI" pitchFamily="34" charset="0"/>
@@ -1704,7 +1706,7 @@
           <a:p>
             <a:fld id="{386CE63F-9E7F-4C04-9D0D-FCA25A8E9E86}" type="datetime8">
               <a:rPr lang="en-US" smtClean="0"/>
-              <a:t>10/23/2019 5:17 PM</a:t>
+              <a:t>10/25/2019 9:11 AM</a:t>
             </a:fld>
             <a:endParaRPr lang="en-US" dirty="0"/>
           </a:p>
@@ -2071,7 +2073,7 @@
           <a:p>
             <a:fld id="{321E5A7B-BB8D-4368-A182-109669521632}" type="datetime8">
               <a:rPr lang="en-US" smtClean="0"/>
-              <a:t>10/23/2019 5:17 PM</a:t>
+              <a:t>10/25/2019 9:11 AM</a:t>
             </a:fld>
             <a:endParaRPr lang="en-US" dirty="0"/>
           </a:p>
@@ -20657,6 +20659,200 @@
       </p:grpSpPr>
       <p:sp>
         <p:nvSpPr>
+          <p:cNvPr id="4" name="Title 3">
+            <a:extLst>
+              <a:ext uri="{FF2B5EF4-FFF2-40B4-BE49-F238E27FC236}">
+                <a16:creationId xmlns:a16="http://schemas.microsoft.com/office/drawing/2014/main" id="{788FD1A4-EFAC-45D7-BC7F-B509F7BE96C3}"/>
+              </a:ext>
+            </a:extLst>
+          </p:cNvPr>
+          <p:cNvSpPr>
+            <a:spLocks noGrp="1"/>
+          </p:cNvSpPr>
+          <p:nvPr>
+            <p:ph type="title"/>
+          </p:nvPr>
+        </p:nvSpPr>
+        <p:spPr/>
+        <p:txBody>
+          <a:bodyPr/>
+          <a:lstStyle/>
+          <a:p>
+            <a:r>
+              <a:rPr lang="en-US" dirty="0"/>
+              <a:t>Design Patterns</a:t>
+            </a:r>
+          </a:p>
+        </p:txBody>
+      </p:sp>
+      <p:sp>
+        <p:nvSpPr>
+          <p:cNvPr id="5" name="Text Placeholder 4">
+            <a:extLst>
+              <a:ext uri="{FF2B5EF4-FFF2-40B4-BE49-F238E27FC236}">
+                <a16:creationId xmlns:a16="http://schemas.microsoft.com/office/drawing/2014/main" id="{41957933-3588-428F-A3A1-7BE5CD071F12}"/>
+              </a:ext>
+            </a:extLst>
+          </p:cNvPr>
+          <p:cNvSpPr>
+            <a:spLocks noGrp="1"/>
+          </p:cNvSpPr>
+          <p:nvPr>
+            <p:ph type="body" sz="quarter" idx="10"/>
+          </p:nvPr>
+        </p:nvSpPr>
+        <p:spPr/>
+        <p:txBody>
+          <a:bodyPr>
+            <a:noAutofit/>
+          </a:bodyPr>
+          <a:lstStyle/>
+          <a:p>
+            <a:r>
+              <a:rPr lang="en-US" dirty="0" err="1"/>
+              <a:t>IoC</a:t>
+            </a:r>
+            <a:r>
+              <a:rPr lang="en-US" dirty="0"/>
+              <a:t> Container</a:t>
+            </a:r>
+          </a:p>
+          <a:p>
+            <a:r>
+              <a:rPr lang="en-US" dirty="0"/>
+              <a:t>Adapter</a:t>
+            </a:r>
+          </a:p>
+          <a:p>
+            <a:r>
+              <a:rPr lang="en-US" dirty="0"/>
+              <a:t>Factory Method</a:t>
+            </a:r>
+          </a:p>
+          <a:p>
+            <a:r>
+              <a:rPr lang="en-US" dirty="0"/>
+              <a:t>Singleton</a:t>
+            </a:r>
+          </a:p>
+          <a:p>
+            <a:r>
+              <a:rPr lang="en-US" dirty="0"/>
+              <a:t>Iterator</a:t>
+            </a:r>
+          </a:p>
+          <a:p>
+            <a:r>
+              <a:rPr lang="en-US" dirty="0"/>
+              <a:t>Façade</a:t>
+            </a:r>
+          </a:p>
+          <a:p>
+            <a:r>
+              <a:rPr lang="en-US" dirty="0"/>
+              <a:t>Chain of Responsibility</a:t>
+            </a:r>
+          </a:p>
+          <a:p>
+            <a:r>
+              <a:rPr lang="en-US" dirty="0"/>
+              <a:t>Strategy</a:t>
+            </a:r>
+          </a:p>
+          <a:p>
+            <a:r>
+              <a:rPr lang="en-US" dirty="0"/>
+              <a:t>Bridge</a:t>
+            </a:r>
+          </a:p>
+        </p:txBody>
+      </p:sp>
+      <p:sp>
+        <p:nvSpPr>
+          <p:cNvPr id="2" name="Text Placeholder 1">
+            <a:extLst>
+              <a:ext uri="{FF2B5EF4-FFF2-40B4-BE49-F238E27FC236}">
+                <a16:creationId xmlns:a16="http://schemas.microsoft.com/office/drawing/2014/main" id="{167BFD34-E210-4459-831D-2CCB97CF41BF}"/>
+              </a:ext>
+            </a:extLst>
+          </p:cNvPr>
+          <p:cNvSpPr>
+            <a:spLocks noGrp="1"/>
+          </p:cNvSpPr>
+          <p:nvPr>
+            <p:ph type="body" sz="quarter" idx="12"/>
+          </p:nvPr>
+        </p:nvSpPr>
+        <p:spPr>
+          <a:xfrm>
+            <a:off x="6397171" y="1435100"/>
+            <a:ext cx="5212080" cy="2185214"/>
+          </a:xfrm>
+        </p:spPr>
+        <p:txBody>
+          <a:bodyPr/>
+          <a:lstStyle/>
+          <a:p>
+            <a:r>
+              <a:rPr lang="en-US" b="1" dirty="0"/>
+              <a:t>Saved for later:</a:t>
+            </a:r>
+          </a:p>
+          <a:p>
+            <a:r>
+              <a:rPr lang="en-US" dirty="0"/>
+              <a:t>Command (MVVM)</a:t>
+            </a:r>
+          </a:p>
+          <a:p>
+            <a:r>
+              <a:rPr lang="en-US" dirty="0"/>
+              <a:t>Observer (MVVM)</a:t>
+            </a:r>
+          </a:p>
+          <a:p>
+            <a:r>
+              <a:rPr lang="en-US" dirty="0"/>
+              <a:t>Proxy (Web API)</a:t>
+            </a:r>
+          </a:p>
+        </p:txBody>
+      </p:sp>
+    </p:spTree>
+    <p:extLst>
+      <p:ext uri="{BB962C8B-B14F-4D97-AF65-F5344CB8AC3E}">
+        <p14:creationId xmlns:p14="http://schemas.microsoft.com/office/powerpoint/2010/main" val="270978926"/>
+      </p:ext>
+    </p:extLst>
+  </p:cSld>
+  <p:clrMapOvr>
+    <a:masterClrMapping/>
+  </p:clrMapOvr>
+  <p:transition>
+    <p:fade/>
+  </p:transition>
+</p:sld>
+</file>
+
+<file path=ppt/slides/slide11.xml><?xml version="1.0" encoding="utf-8"?>
+<p:sld xmlns:a="http://schemas.openxmlformats.org/drawingml/2006/main" xmlns:r="http://schemas.openxmlformats.org/officeDocument/2006/relationships" xmlns:p="http://schemas.openxmlformats.org/presentationml/2006/main">
+  <p:cSld>
+    <p:spTree>
+      <p:nvGrpSpPr>
+        <p:cNvPr id="1" name=""/>
+        <p:cNvGrpSpPr/>
+        <p:nvPr/>
+      </p:nvGrpSpPr>
+      <p:grpSpPr>
+        <a:xfrm>
+          <a:off x="0" y="0"/>
+          <a:ext cx="0" cy="0"/>
+          <a:chOff x="0" y="0"/>
+          <a:chExt cx="0" cy="0"/>
+        </a:xfrm>
+      </p:grpSpPr>
+      <p:sp>
+        <p:nvSpPr>
           <p:cNvPr id="2" name="Title 1">
             <a:extLst>
               <a:ext uri="{FF2B5EF4-FFF2-40B4-BE49-F238E27FC236}">
@@ -20802,7 +20998,7 @@
 </p:sld>
 </file>
 
-<file path=ppt/slides/slide11.xml><?xml version="1.0" encoding="utf-8"?>
+<file path=ppt/slides/slide12.xml><?xml version="1.0" encoding="utf-8"?>
 <p:sld xmlns:a="http://schemas.openxmlformats.org/drawingml/2006/main" xmlns:r="http://schemas.openxmlformats.org/officeDocument/2006/relationships" xmlns:p="http://schemas.openxmlformats.org/presentationml/2006/main">
   <p:cSld>
     <p:spTree>
@@ -20893,6 +21089,284 @@
           <a:p>
             <a:r>
               <a:rPr lang="en-US" dirty="0"/>
+              <a:t>Transient</a:t>
+            </a:r>
+          </a:p>
+          <a:p>
+            <a:r>
+              <a:rPr lang="en-US" dirty="0"/>
+              <a:t>Scoped</a:t>
+            </a:r>
+          </a:p>
+          <a:p>
+            <a:r>
+              <a:rPr lang="en-US" dirty="0"/>
+              <a:t>Singleton</a:t>
+            </a:r>
+          </a:p>
+        </p:txBody>
+      </p:sp>
+      <p:sp>
+        <p:nvSpPr>
+          <p:cNvPr id="4" name="Text Placeholder 2">
+            <a:extLst>
+              <a:ext uri="{FF2B5EF4-FFF2-40B4-BE49-F238E27FC236}">
+                <a16:creationId xmlns:a16="http://schemas.microsoft.com/office/drawing/2014/main" id="{E812DF4D-6632-4E81-A1E4-4D51AD3ECEE8}"/>
+              </a:ext>
+            </a:extLst>
+          </p:cNvPr>
+          <p:cNvSpPr txBox="1">
+            <a:spLocks/>
+          </p:cNvSpPr>
+          <p:nvPr/>
+        </p:nvSpPr>
+        <p:spPr>
+          <a:xfrm>
+            <a:off x="586390" y="1434370"/>
+            <a:ext cx="11018520" cy="2499146"/>
+          </a:xfrm>
+          <a:prstGeom prst="rect">
+            <a:avLst/>
+          </a:prstGeom>
+        </p:spPr>
+        <p:txBody>
+          <a:bodyPr vert="horz" wrap="square" lIns="0" tIns="0" rIns="0" bIns="0" rtlCol="0">
+            <a:spAutoFit/>
+          </a:bodyPr>
+          <a:lstStyle>
+            <a:lvl1pPr marL="0" marR="0" indent="0" algn="l" defTabSz="932742" rtl="0" eaLnBrk="1" fontAlgn="auto" latinLnBrk="0" hangingPunct="1">
+              <a:lnSpc>
+                <a:spcPct val="100000"/>
+              </a:lnSpc>
+              <a:spcBef>
+                <a:spcPct val="20000"/>
+              </a:spcBef>
+              <a:spcAft>
+                <a:spcPts val="0"/>
+              </a:spcAft>
+              <a:buClrTx/>
+              <a:buSzPct val="90000"/>
+              <a:buFont typeface="Wingdings" panose="05000000000000000000" pitchFamily="2" charset="2"/>
+              <a:buNone/>
+              <a:tabLst/>
+              <a:defRPr sz="2800" kern="1200" spc="0" baseline="0">
+                <a:gradFill>
+                  <a:gsLst>
+                    <a:gs pos="1250">
+                      <a:schemeClr val="tx1"/>
+                    </a:gs>
+                    <a:gs pos="100000">
+                      <a:schemeClr val="tx1"/>
+                    </a:gs>
+                  </a:gsLst>
+                  <a:lin ang="5400000" scaled="0"/>
+                </a:gradFill>
+                <a:latin typeface="+mn-lt"/>
+                <a:ea typeface="+mn-ea"/>
+                <a:cs typeface="Segoe UI" panose="020B0502040204020203" pitchFamily="34" charset="0"/>
+              </a:defRPr>
+            </a:lvl1pPr>
+            <a:lvl2pPr marL="228600" marR="0" indent="0" algn="l" defTabSz="932742" rtl="0" eaLnBrk="1" fontAlgn="auto" latinLnBrk="0" hangingPunct="1">
+              <a:lnSpc>
+                <a:spcPct val="100000"/>
+              </a:lnSpc>
+              <a:spcBef>
+                <a:spcPct val="20000"/>
+              </a:spcBef>
+              <a:spcAft>
+                <a:spcPts val="0"/>
+              </a:spcAft>
+              <a:buClrTx/>
+              <a:buSzPct val="90000"/>
+              <a:buFont typeface="Wingdings" panose="05000000000000000000" pitchFamily="2" charset="2"/>
+              <a:buNone/>
+              <a:tabLst/>
+              <a:defRPr sz="2000" kern="1200" spc="0" baseline="0">
+                <a:gradFill>
+                  <a:gsLst>
+                    <a:gs pos="1250">
+                      <a:schemeClr val="tx1"/>
+                    </a:gs>
+                    <a:gs pos="100000">
+                      <a:schemeClr val="tx1"/>
+                    </a:gs>
+                  </a:gsLst>
+                  <a:lin ang="5400000" scaled="0"/>
+                </a:gradFill>
+                <a:latin typeface="+mn-lt"/>
+                <a:ea typeface="+mn-ea"/>
+                <a:cs typeface="+mn-cs"/>
+              </a:defRPr>
+            </a:lvl2pPr>
+            <a:lvl3pPr marL="457200" marR="0" indent="0" algn="l" defTabSz="932742" rtl="0" eaLnBrk="1" fontAlgn="auto" latinLnBrk="0" hangingPunct="1">
+              <a:lnSpc>
+                <a:spcPct val="100000"/>
+              </a:lnSpc>
+              <a:spcBef>
+                <a:spcPct val="20000"/>
+              </a:spcBef>
+              <a:spcAft>
+                <a:spcPts val="0"/>
+              </a:spcAft>
+              <a:buClrTx/>
+              <a:buSzPct val="90000"/>
+              <a:buFont typeface="Wingdings" panose="05000000000000000000" pitchFamily="2" charset="2"/>
+              <a:buNone/>
+              <a:tabLst/>
+              <a:defRPr sz="1600" kern="1200" spc="0" baseline="0">
+                <a:gradFill>
+                  <a:gsLst>
+                    <a:gs pos="1250">
+                      <a:schemeClr val="tx1"/>
+                    </a:gs>
+                    <a:gs pos="100000">
+                      <a:schemeClr val="tx1"/>
+                    </a:gs>
+                  </a:gsLst>
+                  <a:lin ang="5400000" scaled="0"/>
+                </a:gradFill>
+                <a:latin typeface="+mn-lt"/>
+                <a:ea typeface="+mn-ea"/>
+                <a:cs typeface="+mn-cs"/>
+              </a:defRPr>
+            </a:lvl3pPr>
+            <a:lvl4pPr marL="685800" marR="0" indent="0" algn="l" defTabSz="932742" rtl="0" eaLnBrk="1" fontAlgn="auto" latinLnBrk="0" hangingPunct="1">
+              <a:lnSpc>
+                <a:spcPct val="100000"/>
+              </a:lnSpc>
+              <a:spcBef>
+                <a:spcPct val="20000"/>
+              </a:spcBef>
+              <a:spcAft>
+                <a:spcPts val="0"/>
+              </a:spcAft>
+              <a:buClrTx/>
+              <a:buSzPct val="90000"/>
+              <a:buFont typeface="Wingdings" panose="05000000000000000000" pitchFamily="2" charset="2"/>
+              <a:buNone/>
+              <a:tabLst/>
+              <a:defRPr sz="1400" kern="1200" spc="0" baseline="0">
+                <a:gradFill>
+                  <a:gsLst>
+                    <a:gs pos="1250">
+                      <a:schemeClr val="tx1"/>
+                    </a:gs>
+                    <a:gs pos="100000">
+                      <a:schemeClr val="tx1"/>
+                    </a:gs>
+                  </a:gsLst>
+                  <a:lin ang="5400000" scaled="0"/>
+                </a:gradFill>
+                <a:latin typeface="+mn-lt"/>
+                <a:ea typeface="+mn-ea"/>
+                <a:cs typeface="+mn-cs"/>
+              </a:defRPr>
+            </a:lvl4pPr>
+            <a:lvl5pPr marL="914400" marR="0" indent="0" algn="l" defTabSz="932742" rtl="0" eaLnBrk="1" fontAlgn="auto" latinLnBrk="0" hangingPunct="1">
+              <a:lnSpc>
+                <a:spcPct val="100000"/>
+              </a:lnSpc>
+              <a:spcBef>
+                <a:spcPct val="20000"/>
+              </a:spcBef>
+              <a:spcAft>
+                <a:spcPts val="0"/>
+              </a:spcAft>
+              <a:buClrTx/>
+              <a:buSzPct val="90000"/>
+              <a:buFont typeface="Wingdings" panose="05000000000000000000" pitchFamily="2" charset="2"/>
+              <a:buNone/>
+              <a:tabLst/>
+              <a:defRPr sz="1400" kern="1200" spc="0" baseline="0">
+                <a:gradFill>
+                  <a:gsLst>
+                    <a:gs pos="1250">
+                      <a:schemeClr val="tx1"/>
+                    </a:gs>
+                    <a:gs pos="100000">
+                      <a:schemeClr val="tx1"/>
+                    </a:gs>
+                  </a:gsLst>
+                  <a:lin ang="5400000" scaled="0"/>
+                </a:gradFill>
+                <a:latin typeface="+mn-lt"/>
+                <a:ea typeface="+mn-ea"/>
+                <a:cs typeface="+mn-cs"/>
+              </a:defRPr>
+            </a:lvl5pPr>
+            <a:lvl6pPr marL="2565040" indent="-233186" algn="l" defTabSz="932742" rtl="0" eaLnBrk="1" latinLnBrk="0" hangingPunct="1">
+              <a:spcBef>
+                <a:spcPct val="20000"/>
+              </a:spcBef>
+              <a:buFont typeface="Arial" pitchFamily="34" charset="0"/>
+              <a:buChar char="•"/>
+              <a:defRPr sz="2000" kern="1200">
+                <a:solidFill>
+                  <a:schemeClr val="tx1"/>
+                </a:solidFill>
+                <a:latin typeface="+mn-lt"/>
+                <a:ea typeface="+mn-ea"/>
+                <a:cs typeface="+mn-cs"/>
+              </a:defRPr>
+            </a:lvl6pPr>
+            <a:lvl7pPr marL="3031412" indent="-233186" algn="l" defTabSz="932742" rtl="0" eaLnBrk="1" latinLnBrk="0" hangingPunct="1">
+              <a:spcBef>
+                <a:spcPct val="20000"/>
+              </a:spcBef>
+              <a:buFont typeface="Arial" pitchFamily="34" charset="0"/>
+              <a:buChar char="•"/>
+              <a:defRPr sz="2000" kern="1200">
+                <a:solidFill>
+                  <a:schemeClr val="tx1"/>
+                </a:solidFill>
+                <a:latin typeface="+mn-lt"/>
+                <a:ea typeface="+mn-ea"/>
+                <a:cs typeface="+mn-cs"/>
+              </a:defRPr>
+            </a:lvl7pPr>
+            <a:lvl8pPr marL="3497783" indent="-233186" algn="l" defTabSz="932742" rtl="0" eaLnBrk="1" latinLnBrk="0" hangingPunct="1">
+              <a:spcBef>
+                <a:spcPct val="20000"/>
+              </a:spcBef>
+              <a:buFont typeface="Arial" pitchFamily="34" charset="0"/>
+              <a:buChar char="•"/>
+              <a:defRPr sz="2000" kern="1200">
+                <a:solidFill>
+                  <a:schemeClr val="tx1"/>
+                </a:solidFill>
+                <a:latin typeface="+mn-lt"/>
+                <a:ea typeface="+mn-ea"/>
+                <a:cs typeface="+mn-cs"/>
+              </a:defRPr>
+            </a:lvl8pPr>
+            <a:lvl9pPr marL="3964155" indent="-233186" algn="l" defTabSz="932742" rtl="0" eaLnBrk="1" latinLnBrk="0" hangingPunct="1">
+              <a:spcBef>
+                <a:spcPct val="20000"/>
+              </a:spcBef>
+              <a:buFont typeface="Arial" pitchFamily="34" charset="0"/>
+              <a:buChar char="•"/>
+              <a:defRPr sz="2000" kern="1200">
+                <a:solidFill>
+                  <a:schemeClr val="tx1"/>
+                </a:solidFill>
+                <a:latin typeface="+mn-lt"/>
+                <a:ea typeface="+mn-ea"/>
+                <a:cs typeface="+mn-cs"/>
+              </a:defRPr>
+            </a:lvl9pPr>
+          </a:lstStyle>
+          <a:p>
+            <a:r>
+              <a:rPr lang="en-US" dirty="0"/>
+              <a:t>Lifetime:</a:t>
+            </a:r>
+          </a:p>
+          <a:p>
+            <a:endParaRPr lang="en-US" dirty="0"/>
+          </a:p>
+          <a:p>
+            <a:r>
+              <a:rPr lang="en-US" dirty="0"/>
               <a:t>Transient (every time)</a:t>
             </a:r>
           </a:p>
@@ -20923,10 +21397,88 @@
   <p:transition>
     <p:fade/>
   </p:transition>
+  <p:timing>
+    <p:tnLst>
+      <p:par>
+        <p:cTn id="1" dur="indefinite" restart="never" nodeType="tmRoot">
+          <p:childTnLst>
+            <p:seq concurrent="1" nextAc="seek">
+              <p:cTn id="2" dur="indefinite" nodeType="mainSeq">
+                <p:childTnLst>
+                  <p:par>
+                    <p:cTn id="3" fill="hold">
+                      <p:stCondLst>
+                        <p:cond delay="indefinite"/>
+                      </p:stCondLst>
+                      <p:childTnLst>
+                        <p:par>
+                          <p:cTn id="4" fill="hold">
+                            <p:stCondLst>
+                              <p:cond delay="0"/>
+                            </p:stCondLst>
+                            <p:childTnLst>
+                              <p:par>
+                                <p:cTn id="5" presetID="1" presetClass="entr" presetSubtype="0" fill="hold" grpId="0" nodeType="clickEffect">
+                                  <p:stCondLst>
+                                    <p:cond delay="0"/>
+                                  </p:stCondLst>
+                                  <p:childTnLst>
+                                    <p:set>
+                                      <p:cBhvr>
+                                        <p:cTn id="6" dur="1" fill="hold">
+                                          <p:stCondLst>
+                                            <p:cond delay="0"/>
+                                          </p:stCondLst>
+                                        </p:cTn>
+                                        <p:tgtEl>
+                                          <p:spTgt spid="4"/>
+                                        </p:tgtEl>
+                                        <p:attrNameLst>
+                                          <p:attrName>style.visibility</p:attrName>
+                                        </p:attrNameLst>
+                                      </p:cBhvr>
+                                      <p:to>
+                                        <p:strVal val="visible"/>
+                                      </p:to>
+                                    </p:set>
+                                  </p:childTnLst>
+                                </p:cTn>
+                              </p:par>
+                            </p:childTnLst>
+                          </p:cTn>
+                        </p:par>
+                      </p:childTnLst>
+                    </p:cTn>
+                  </p:par>
+                </p:childTnLst>
+              </p:cTn>
+              <p:prevCondLst>
+                <p:cond evt="onPrev" delay="0">
+                  <p:tgtEl>
+                    <p:sldTgt/>
+                  </p:tgtEl>
+                </p:cond>
+              </p:prevCondLst>
+              <p:nextCondLst>
+                <p:cond evt="onNext" delay="0">
+                  <p:tgtEl>
+                    <p:sldTgt/>
+                  </p:tgtEl>
+                </p:cond>
+              </p:nextCondLst>
+            </p:seq>
+          </p:childTnLst>
+        </p:cTn>
+      </p:par>
+    </p:tnLst>
+    <p:bldLst>
+      <p:bldP spid="4" grpId="0"/>
+    </p:bldLst>
+  </p:timing>
 </p:sld>
 </file>
 
-<file path=ppt/slides/slide12.xml><?xml version="1.0" encoding="utf-8"?>
+<file path=ppt/slides/slide13.xml><?xml version="1.0" encoding="utf-8"?>
 <p:sld xmlns:a="http://schemas.openxmlformats.org/drawingml/2006/main" xmlns:r="http://schemas.openxmlformats.org/officeDocument/2006/relationships" xmlns:p="http://schemas.openxmlformats.org/presentationml/2006/main">
   <p:cSld>
     <p:spTree>
@@ -21066,7 +21618,7 @@
 </p:sld>
 </file>
 
-<file path=ppt/slides/slide13.xml><?xml version="1.0" encoding="utf-8"?>
+<file path=ppt/slides/slide14.xml><?xml version="1.0" encoding="utf-8"?>
 <p:sld xmlns:a="http://schemas.openxmlformats.org/drawingml/2006/main" xmlns:r="http://schemas.openxmlformats.org/officeDocument/2006/relationships" xmlns:p="http://schemas.openxmlformats.org/presentationml/2006/main">
   <p:cSld>
     <p:spTree>
@@ -21195,7 +21747,7 @@
 </p:sld>
 </file>
 
-<file path=ppt/slides/slide14.xml><?xml version="1.0" encoding="utf-8"?>
+<file path=ppt/slides/slide15.xml><?xml version="1.0" encoding="utf-8"?>
 <p:sld xmlns:a="http://schemas.openxmlformats.org/drawingml/2006/main" xmlns:r="http://schemas.openxmlformats.org/officeDocument/2006/relationships" xmlns:p="http://schemas.openxmlformats.org/presentationml/2006/main">
   <p:cSld>
     <p:spTree>
@@ -21328,7 +21880,7 @@
 </p:sld>
 </file>
 
-<file path=ppt/slides/slide15.xml><?xml version="1.0" encoding="utf-8"?>
+<file path=ppt/slides/slide16.xml><?xml version="1.0" encoding="utf-8"?>
 <p:sld xmlns:a="http://schemas.openxmlformats.org/drawingml/2006/main" xmlns:r="http://schemas.openxmlformats.org/officeDocument/2006/relationships" xmlns:p="http://schemas.openxmlformats.org/presentationml/2006/main">
   <p:cSld>
     <p:spTree>
@@ -21475,7 +22027,7 @@
 </p:sld>
 </file>
 
-<file path=ppt/slides/slide16.xml><?xml version="1.0" encoding="utf-8"?>
+<file path=ppt/slides/slide17.xml><?xml version="1.0" encoding="utf-8"?>
 <p:sld xmlns:a="http://schemas.openxmlformats.org/drawingml/2006/main" xmlns:r="http://schemas.openxmlformats.org/officeDocument/2006/relationships" xmlns:p="http://schemas.openxmlformats.org/presentationml/2006/main">
   <p:cSld>
     <p:spTree>
@@ -21675,7 +22227,7 @@
 </p:sld>
 </file>
 
-<file path=ppt/slides/slide17.xml><?xml version="1.0" encoding="utf-8"?>
+<file path=ppt/slides/slide18.xml><?xml version="1.0" encoding="utf-8"?>
 <p:sld xmlns:a="http://schemas.openxmlformats.org/drawingml/2006/main" xmlns:r="http://schemas.openxmlformats.org/officeDocument/2006/relationships" xmlns:p="http://schemas.openxmlformats.org/presentationml/2006/main">
   <p:cSld>
     <p:spTree>
@@ -21810,7 +22362,7 @@
 </p:sld>
 </file>
 
-<file path=ppt/slides/slide18.xml><?xml version="1.0" encoding="utf-8"?>
+<file path=ppt/slides/slide19.xml><?xml version="1.0" encoding="utf-8"?>
 <p:sld xmlns:a="http://schemas.openxmlformats.org/drawingml/2006/main" xmlns:r="http://schemas.openxmlformats.org/officeDocument/2006/relationships" xmlns:p="http://schemas.openxmlformats.org/presentationml/2006/main">
   <p:cSld>
     <p:spTree>
@@ -21927,130 +22479,6 @@
     <p:extLst>
       <p:ext uri="{BB962C8B-B14F-4D97-AF65-F5344CB8AC3E}">
         <p14:creationId xmlns:p14="http://schemas.microsoft.com/office/powerpoint/2010/main" val="595461944"/>
-      </p:ext>
-    </p:extLst>
-  </p:cSld>
-  <p:clrMapOvr>
-    <a:masterClrMapping/>
-  </p:clrMapOvr>
-  <p:transition>
-    <p:fade/>
-  </p:transition>
-</p:sld>
-</file>
-
-<file path=ppt/slides/slide19.xml><?xml version="1.0" encoding="utf-8"?>
-<p:sld xmlns:a="http://schemas.openxmlformats.org/drawingml/2006/main" xmlns:r="http://schemas.openxmlformats.org/officeDocument/2006/relationships" xmlns:p="http://schemas.openxmlformats.org/presentationml/2006/main">
-  <p:cSld>
-    <p:spTree>
-      <p:nvGrpSpPr>
-        <p:cNvPr id="1" name=""/>
-        <p:cNvGrpSpPr/>
-        <p:nvPr/>
-      </p:nvGrpSpPr>
-      <p:grpSpPr>
-        <a:xfrm>
-          <a:off x="0" y="0"/>
-          <a:ext cx="0" cy="0"/>
-          <a:chOff x="0" y="0"/>
-          <a:chExt cx="0" cy="0"/>
-        </a:xfrm>
-      </p:grpSpPr>
-      <p:sp>
-        <p:nvSpPr>
-          <p:cNvPr id="2" name="Title 1">
-            <a:extLst>
-              <a:ext uri="{FF2B5EF4-FFF2-40B4-BE49-F238E27FC236}">
-                <a16:creationId xmlns:a16="http://schemas.microsoft.com/office/drawing/2014/main" id="{F2C45053-9D55-4DC3-BD97-1F582D02E9D5}"/>
-              </a:ext>
-            </a:extLst>
-          </p:cNvPr>
-          <p:cNvSpPr>
-            <a:spLocks noGrp="1"/>
-          </p:cNvSpPr>
-          <p:nvPr>
-            <p:ph type="title"/>
-          </p:nvPr>
-        </p:nvSpPr>
-        <p:spPr/>
-        <p:txBody>
-          <a:bodyPr/>
-          <a:lstStyle/>
-          <a:p>
-            <a:r>
-              <a:rPr lang="en-US" dirty="0"/>
-              <a:t>Strategy</a:t>
-            </a:r>
-          </a:p>
-        </p:txBody>
-      </p:sp>
-      <p:sp>
-        <p:nvSpPr>
-          <p:cNvPr id="3" name="Text Placeholder 2">
-            <a:extLst>
-              <a:ext uri="{FF2B5EF4-FFF2-40B4-BE49-F238E27FC236}">
-                <a16:creationId xmlns:a16="http://schemas.microsoft.com/office/drawing/2014/main" id="{8BFC5330-1013-46CF-B253-4F988330FC42}"/>
-              </a:ext>
-            </a:extLst>
-          </p:cNvPr>
-          <p:cNvSpPr>
-            <a:spLocks noGrp="1"/>
-          </p:cNvSpPr>
-          <p:nvPr>
-            <p:ph type="body" sz="quarter" idx="10"/>
-          </p:nvPr>
-        </p:nvSpPr>
-        <p:spPr>
-          <a:xfrm>
-            <a:off x="586390" y="1434370"/>
-            <a:ext cx="11018520" cy="1292662"/>
-          </a:xfrm>
-        </p:spPr>
-        <p:txBody>
-          <a:bodyPr/>
-          <a:lstStyle/>
-          <a:p>
-            <a:r>
-              <a:rPr lang="en-US" dirty="0"/>
-              <a:t>Define a family of algorithms, encapsulate each one, and make them interchangeable. Strategy lets the algorithm vary independently from clients that use it. </a:t>
-            </a:r>
-          </a:p>
-        </p:txBody>
-      </p:sp>
-      <p:pic>
-        <p:nvPicPr>
-          <p:cNvPr id="4" name="Picture 3">
-            <a:extLst>
-              <a:ext uri="{FF2B5EF4-FFF2-40B4-BE49-F238E27FC236}">
-                <a16:creationId xmlns:a16="http://schemas.microsoft.com/office/drawing/2014/main" id="{BE845D12-C028-43CE-9FFD-AC7E47D35292}"/>
-              </a:ext>
-            </a:extLst>
-          </p:cNvPr>
-          <p:cNvPicPr>
-            <a:picLocks noChangeAspect="1"/>
-          </p:cNvPicPr>
-          <p:nvPr/>
-        </p:nvPicPr>
-        <p:blipFill>
-          <a:blip r:embed="rId2"/>
-          <a:stretch>
-            <a:fillRect/>
-          </a:stretch>
-        </p:blipFill>
-        <p:spPr>
-          <a:xfrm>
-            <a:off x="1578273" y="3136582"/>
-            <a:ext cx="9035455" cy="3390880"/>
-          </a:xfrm>
-          <a:prstGeom prst="rect">
-            <a:avLst/>
-          </a:prstGeom>
-        </p:spPr>
-      </p:pic>
-    </p:spTree>
-    <p:extLst>
-      <p:ext uri="{BB962C8B-B14F-4D97-AF65-F5344CB8AC3E}">
-        <p14:creationId xmlns:p14="http://schemas.microsoft.com/office/powerpoint/2010/main" val="3028581117"/>
       </p:ext>
     </p:extLst>
   </p:cSld>
@@ -22164,6 +22592,130 @@
 </file>
 
 <file path=ppt/slides/slide20.xml><?xml version="1.0" encoding="utf-8"?>
+<p:sld xmlns:a="http://schemas.openxmlformats.org/drawingml/2006/main" xmlns:r="http://schemas.openxmlformats.org/officeDocument/2006/relationships" xmlns:p="http://schemas.openxmlformats.org/presentationml/2006/main">
+  <p:cSld>
+    <p:spTree>
+      <p:nvGrpSpPr>
+        <p:cNvPr id="1" name=""/>
+        <p:cNvGrpSpPr/>
+        <p:nvPr/>
+      </p:nvGrpSpPr>
+      <p:grpSpPr>
+        <a:xfrm>
+          <a:off x="0" y="0"/>
+          <a:ext cx="0" cy="0"/>
+          <a:chOff x="0" y="0"/>
+          <a:chExt cx="0" cy="0"/>
+        </a:xfrm>
+      </p:grpSpPr>
+      <p:sp>
+        <p:nvSpPr>
+          <p:cNvPr id="2" name="Title 1">
+            <a:extLst>
+              <a:ext uri="{FF2B5EF4-FFF2-40B4-BE49-F238E27FC236}">
+                <a16:creationId xmlns:a16="http://schemas.microsoft.com/office/drawing/2014/main" id="{F2C45053-9D55-4DC3-BD97-1F582D02E9D5}"/>
+              </a:ext>
+            </a:extLst>
+          </p:cNvPr>
+          <p:cNvSpPr>
+            <a:spLocks noGrp="1"/>
+          </p:cNvSpPr>
+          <p:nvPr>
+            <p:ph type="title"/>
+          </p:nvPr>
+        </p:nvSpPr>
+        <p:spPr/>
+        <p:txBody>
+          <a:bodyPr/>
+          <a:lstStyle/>
+          <a:p>
+            <a:r>
+              <a:rPr lang="en-US" dirty="0"/>
+              <a:t>Strategy</a:t>
+            </a:r>
+          </a:p>
+        </p:txBody>
+      </p:sp>
+      <p:sp>
+        <p:nvSpPr>
+          <p:cNvPr id="3" name="Text Placeholder 2">
+            <a:extLst>
+              <a:ext uri="{FF2B5EF4-FFF2-40B4-BE49-F238E27FC236}">
+                <a16:creationId xmlns:a16="http://schemas.microsoft.com/office/drawing/2014/main" id="{8BFC5330-1013-46CF-B253-4F988330FC42}"/>
+              </a:ext>
+            </a:extLst>
+          </p:cNvPr>
+          <p:cNvSpPr>
+            <a:spLocks noGrp="1"/>
+          </p:cNvSpPr>
+          <p:nvPr>
+            <p:ph type="body" sz="quarter" idx="10"/>
+          </p:nvPr>
+        </p:nvSpPr>
+        <p:spPr>
+          <a:xfrm>
+            <a:off x="586390" y="1434370"/>
+            <a:ext cx="11018520" cy="1292662"/>
+          </a:xfrm>
+        </p:spPr>
+        <p:txBody>
+          <a:bodyPr/>
+          <a:lstStyle/>
+          <a:p>
+            <a:r>
+              <a:rPr lang="en-US" dirty="0"/>
+              <a:t>Define a family of algorithms, encapsulate each one, and make them interchangeable. Strategy lets the algorithm vary independently from clients that use it. </a:t>
+            </a:r>
+          </a:p>
+        </p:txBody>
+      </p:sp>
+      <p:pic>
+        <p:nvPicPr>
+          <p:cNvPr id="4" name="Picture 3">
+            <a:extLst>
+              <a:ext uri="{FF2B5EF4-FFF2-40B4-BE49-F238E27FC236}">
+                <a16:creationId xmlns:a16="http://schemas.microsoft.com/office/drawing/2014/main" id="{BE845D12-C028-43CE-9FFD-AC7E47D35292}"/>
+              </a:ext>
+            </a:extLst>
+          </p:cNvPr>
+          <p:cNvPicPr>
+            <a:picLocks noChangeAspect="1"/>
+          </p:cNvPicPr>
+          <p:nvPr/>
+        </p:nvPicPr>
+        <p:blipFill>
+          <a:blip r:embed="rId2"/>
+          <a:stretch>
+            <a:fillRect/>
+          </a:stretch>
+        </p:blipFill>
+        <p:spPr>
+          <a:xfrm>
+            <a:off x="1578273" y="3136582"/>
+            <a:ext cx="9035455" cy="3390880"/>
+          </a:xfrm>
+          <a:prstGeom prst="rect">
+            <a:avLst/>
+          </a:prstGeom>
+        </p:spPr>
+      </p:pic>
+    </p:spTree>
+    <p:extLst>
+      <p:ext uri="{BB962C8B-B14F-4D97-AF65-F5344CB8AC3E}">
+        <p14:creationId xmlns:p14="http://schemas.microsoft.com/office/powerpoint/2010/main" val="3028581117"/>
+      </p:ext>
+    </p:extLst>
+  </p:cSld>
+  <p:clrMapOvr>
+    <a:masterClrMapping/>
+  </p:clrMapOvr>
+  <p:transition>
+    <p:fade/>
+  </p:transition>
+</p:sld>
+</file>
+
+<file path=ppt/slides/slide21.xml><?xml version="1.0" encoding="utf-8"?>
 <p:sld xmlns:a="http://schemas.openxmlformats.org/drawingml/2006/main" xmlns:r="http://schemas.openxmlformats.org/officeDocument/2006/relationships" xmlns:p="http://schemas.openxmlformats.org/presentationml/2006/main">
   <p:cSld>
     <p:spTree>
@@ -22360,6 +22912,36 @@
           </a:p>
         </p:txBody>
       </p:sp>
+      <p:pic>
+        <p:nvPicPr>
+          <p:cNvPr id="4" name="Picture 3" descr="A close up of a flower&#10;&#10;Description automatically generated">
+            <a:extLst>
+              <a:ext uri="{FF2B5EF4-FFF2-40B4-BE49-F238E27FC236}">
+                <a16:creationId xmlns:a16="http://schemas.microsoft.com/office/drawing/2014/main" id="{ED830612-248D-47C2-B9F3-652FF7E19A5C}"/>
+              </a:ext>
+            </a:extLst>
+          </p:cNvPr>
+          <p:cNvPicPr>
+            <a:picLocks noChangeAspect="1"/>
+          </p:cNvPicPr>
+          <p:nvPr/>
+        </p:nvPicPr>
+        <p:blipFill>
+          <a:blip r:embed="rId2"/>
+          <a:stretch>
+            <a:fillRect/>
+          </a:stretch>
+        </p:blipFill>
+        <p:spPr>
+          <a:xfrm>
+            <a:off x="5334000" y="0"/>
+            <a:ext cx="6858000" cy="6858000"/>
+          </a:xfrm>
+          <a:prstGeom prst="rect">
+            <a:avLst/>
+          </a:prstGeom>
+        </p:spPr>
+      </p:pic>
     </p:spTree>
     <p:extLst>
       <p:ext uri="{BB962C8B-B14F-4D97-AF65-F5344CB8AC3E}">
@@ -22425,8 +23007,13 @@
           <a:p>
             <a:r>
               <a:rPr lang="en-US" dirty="0"/>
-              <a:t>Code Metrics</a:t>
-            </a:r>
+              <a:t>Code Metrics (Visual </a:t>
+            </a:r>
+            <a:r>
+              <a:rPr lang="en-US"/>
+              <a:t>Studio Proper)</a:t>
+            </a:r>
+            <a:endParaRPr lang="en-US" dirty="0"/>
           </a:p>
         </p:txBody>
       </p:sp>
@@ -22610,98 +23197,6 @@
 </file>
 
 <file path=ppt/slides/slide5.xml><?xml version="1.0" encoding="utf-8"?>
-<p:sld xmlns:a="http://schemas.openxmlformats.org/drawingml/2006/main" xmlns:r="http://schemas.openxmlformats.org/officeDocument/2006/relationships" xmlns:p="http://schemas.openxmlformats.org/presentationml/2006/main">
-  <p:cSld>
-    <p:spTree>
-      <p:nvGrpSpPr>
-        <p:cNvPr id="1" name=""/>
-        <p:cNvGrpSpPr/>
-        <p:nvPr/>
-      </p:nvGrpSpPr>
-      <p:grpSpPr>
-        <a:xfrm>
-          <a:off x="0" y="0"/>
-          <a:ext cx="0" cy="0"/>
-          <a:chOff x="0" y="0"/>
-          <a:chExt cx="0" cy="0"/>
-        </a:xfrm>
-      </p:grpSpPr>
-      <p:sp>
-        <p:nvSpPr>
-          <p:cNvPr id="5" name="Title 4">
-            <a:extLst>
-              <a:ext uri="{FF2B5EF4-FFF2-40B4-BE49-F238E27FC236}">
-                <a16:creationId xmlns:a16="http://schemas.microsoft.com/office/drawing/2014/main" id="{3F6BD966-1A5E-4D28-8571-7EB101274AE5}"/>
-              </a:ext>
-            </a:extLst>
-          </p:cNvPr>
-          <p:cNvSpPr>
-            <a:spLocks noGrp="1"/>
-          </p:cNvSpPr>
-          <p:nvPr>
-            <p:ph type="title"/>
-          </p:nvPr>
-        </p:nvSpPr>
-        <p:spPr/>
-        <p:txBody>
-          <a:bodyPr/>
-          <a:lstStyle/>
-          <a:p>
-            <a:r>
-              <a:rPr lang="en-US" dirty="0"/>
-              <a:t>Cyclomatic Complexity</a:t>
-            </a:r>
-          </a:p>
-        </p:txBody>
-      </p:sp>
-      <p:graphicFrame>
-        <p:nvGraphicFramePr>
-          <p:cNvPr id="7" name="Content Placeholder 6">
-            <a:extLst>
-              <a:ext uri="{FF2B5EF4-FFF2-40B4-BE49-F238E27FC236}">
-                <a16:creationId xmlns:a16="http://schemas.microsoft.com/office/drawing/2014/main" id="{0D92F67F-52D9-40C0-8D72-AB31D94CDED1}"/>
-              </a:ext>
-            </a:extLst>
-          </p:cNvPr>
-          <p:cNvGraphicFramePr>
-            <a:graphicFrameLocks noGrp="1"/>
-          </p:cNvGraphicFramePr>
-          <p:nvPr>
-            <p:ph sz="quarter" idx="10"/>
-            <p:extLst>
-              <p:ext uri="{D42A27DB-BD31-4B8C-83A1-F6EECF244321}">
-                <p14:modId xmlns:p14="http://schemas.microsoft.com/office/powerpoint/2010/main" val="2611860801"/>
-              </p:ext>
-            </p:extLst>
-          </p:nvPr>
-        </p:nvGraphicFramePr>
-        <p:xfrm>
-          <a:off x="584200" y="1435100"/>
-          <a:ext cx="11018838" cy="4833938"/>
-        </p:xfrm>
-        <a:graphic>
-          <a:graphicData uri="http://schemas.openxmlformats.org/drawingml/2006/chart">
-            <c:chart xmlns:c="http://schemas.openxmlformats.org/drawingml/2006/chart" xmlns:r="http://schemas.openxmlformats.org/officeDocument/2006/relationships" r:id="rId2"/>
-          </a:graphicData>
-        </a:graphic>
-      </p:graphicFrame>
-    </p:spTree>
-    <p:extLst>
-      <p:ext uri="{BB962C8B-B14F-4D97-AF65-F5344CB8AC3E}">
-        <p14:creationId xmlns:p14="http://schemas.microsoft.com/office/powerpoint/2010/main" val="2126734237"/>
-      </p:ext>
-    </p:extLst>
-  </p:cSld>
-  <p:clrMapOvr>
-    <a:masterClrMapping/>
-  </p:clrMapOvr>
-  <p:transition>
-    <p:fade/>
-  </p:transition>
-</p:sld>
-</file>
-
-<file path=ppt/slides/slide6.xml><?xml version="1.0" encoding="utf-8"?>
 <p:sld xmlns:a="http://schemas.openxmlformats.org/drawingml/2006/main" xmlns:r="http://schemas.openxmlformats.org/officeDocument/2006/relationships" xmlns:p="http://schemas.openxmlformats.org/presentationml/2006/main">
   <p:cSld>
     <p:spTree>
@@ -23281,6 +23776,516 @@
   <p:transition>
     <p:fade/>
   </p:transition>
+</p:sld>
+</file>
+
+<file path=ppt/slides/slide6.xml><?xml version="1.0" encoding="utf-8"?>
+<p:sld xmlns:a="http://schemas.openxmlformats.org/drawingml/2006/main" xmlns:r="http://schemas.openxmlformats.org/officeDocument/2006/relationships" xmlns:p="http://schemas.openxmlformats.org/presentationml/2006/main">
+  <p:cSld>
+    <p:spTree>
+      <p:nvGrpSpPr>
+        <p:cNvPr id="1" name=""/>
+        <p:cNvGrpSpPr/>
+        <p:nvPr/>
+      </p:nvGrpSpPr>
+      <p:grpSpPr>
+        <a:xfrm>
+          <a:off x="0" y="0"/>
+          <a:ext cx="0" cy="0"/>
+          <a:chOff x="0" y="0"/>
+          <a:chExt cx="0" cy="0"/>
+        </a:xfrm>
+      </p:grpSpPr>
+      <p:sp>
+        <p:nvSpPr>
+          <p:cNvPr id="2" name="Title 1">
+            <a:extLst>
+              <a:ext uri="{FF2B5EF4-FFF2-40B4-BE49-F238E27FC236}">
+                <a16:creationId xmlns:a16="http://schemas.microsoft.com/office/drawing/2014/main" id="{5B21DDFA-A231-4890-9D56-72BFCB2F9144}"/>
+              </a:ext>
+            </a:extLst>
+          </p:cNvPr>
+          <p:cNvSpPr>
+            <a:spLocks noGrp="1"/>
+          </p:cNvSpPr>
+          <p:nvPr>
+            <p:ph type="title"/>
+          </p:nvPr>
+        </p:nvSpPr>
+        <p:spPr/>
+        <p:txBody>
+          <a:bodyPr/>
+          <a:lstStyle/>
+          <a:p>
+            <a:r>
+              <a:rPr lang="en-US" dirty="0"/>
+              <a:t>Approach</a:t>
+            </a:r>
+          </a:p>
+        </p:txBody>
+      </p:sp>
+      <p:sp>
+        <p:nvSpPr>
+          <p:cNvPr id="4" name="Text Placeholder 3">
+            <a:extLst>
+              <a:ext uri="{FF2B5EF4-FFF2-40B4-BE49-F238E27FC236}">
+                <a16:creationId xmlns:a16="http://schemas.microsoft.com/office/drawing/2014/main" id="{D34F96E5-0AE5-4D71-B6A2-070F744B9D66}"/>
+              </a:ext>
+            </a:extLst>
+          </p:cNvPr>
+          <p:cNvSpPr>
+            <a:spLocks noGrp="1"/>
+          </p:cNvSpPr>
+          <p:nvPr>
+            <p:ph type="body" sz="quarter" idx="10"/>
+          </p:nvPr>
+        </p:nvSpPr>
+        <p:spPr>
+          <a:xfrm>
+            <a:off x="586390" y="1434370"/>
+            <a:ext cx="11018520" cy="3533275"/>
+          </a:xfrm>
+        </p:spPr>
+        <p:txBody>
+          <a:bodyPr/>
+          <a:lstStyle/>
+          <a:p>
+            <a:r>
+              <a:rPr lang="en-US" dirty="0"/>
+              <a:t>Understand the task at hand – inspect the code</a:t>
+            </a:r>
+          </a:p>
+          <a:p>
+            <a:r>
+              <a:rPr lang="en-US" dirty="0"/>
+              <a:t>Write tests to ensure the program works to specification</a:t>
+            </a:r>
+          </a:p>
+          <a:p>
+            <a:r>
+              <a:rPr lang="en-US" dirty="0"/>
+              <a:t>Refactor, refactor, refactor</a:t>
+            </a:r>
+          </a:p>
+          <a:p>
+            <a:r>
+              <a:rPr lang="en-US" dirty="0"/>
+              <a:t>Extract methods</a:t>
+            </a:r>
+          </a:p>
+          <a:p>
+            <a:r>
+              <a:rPr lang="en-US" dirty="0"/>
+              <a:t>Implement </a:t>
+            </a:r>
+            <a:r>
+              <a:rPr lang="en-US" i="1" dirty="0"/>
+              <a:t>Conjured</a:t>
+            </a:r>
+          </a:p>
+          <a:p>
+            <a:r>
+              <a:rPr lang="en-US" dirty="0"/>
+              <a:t>Refactor, refactor, refactor</a:t>
+            </a:r>
+          </a:p>
+          <a:p>
+            <a:r>
+              <a:rPr lang="en-US" dirty="0"/>
+              <a:t>Introduce polymorphism</a:t>
+            </a:r>
+          </a:p>
+        </p:txBody>
+      </p:sp>
+    </p:spTree>
+    <p:extLst>
+      <p:ext uri="{BB962C8B-B14F-4D97-AF65-F5344CB8AC3E}">
+        <p14:creationId xmlns:p14="http://schemas.microsoft.com/office/powerpoint/2010/main" val="1434301919"/>
+      </p:ext>
+    </p:extLst>
+  </p:cSld>
+  <p:clrMapOvr>
+    <a:masterClrMapping/>
+  </p:clrMapOvr>
+  <p:transition>
+    <p:fade/>
+  </p:transition>
+  <p:timing>
+    <p:tnLst>
+      <p:par>
+        <p:cTn id="1" dur="indefinite" restart="never" nodeType="tmRoot">
+          <p:childTnLst>
+            <p:seq concurrent="1" nextAc="seek">
+              <p:cTn id="2" dur="indefinite" nodeType="mainSeq">
+                <p:childTnLst>
+                  <p:par>
+                    <p:cTn id="3" fill="hold">
+                      <p:stCondLst>
+                        <p:cond delay="indefinite"/>
+                      </p:stCondLst>
+                      <p:childTnLst>
+                        <p:par>
+                          <p:cTn id="4" fill="hold">
+                            <p:stCondLst>
+                              <p:cond delay="0"/>
+                            </p:stCondLst>
+                            <p:childTnLst>
+                              <p:par>
+                                <p:cTn id="5" presetID="1" presetClass="entr" presetSubtype="0" fill="hold" grpId="0" nodeType="clickEffect">
+                                  <p:stCondLst>
+                                    <p:cond delay="0"/>
+                                  </p:stCondLst>
+                                  <p:childTnLst>
+                                    <p:set>
+                                      <p:cBhvr>
+                                        <p:cTn id="6" dur="1" fill="hold">
+                                          <p:stCondLst>
+                                            <p:cond delay="0"/>
+                                          </p:stCondLst>
+                                        </p:cTn>
+                                        <p:tgtEl>
+                                          <p:spTgt spid="4">
+                                            <p:txEl>
+                                              <p:pRg st="0" end="0"/>
+                                            </p:txEl>
+                                          </p:spTgt>
+                                        </p:tgtEl>
+                                        <p:attrNameLst>
+                                          <p:attrName>style.visibility</p:attrName>
+                                        </p:attrNameLst>
+                                      </p:cBhvr>
+                                      <p:to>
+                                        <p:strVal val="visible"/>
+                                      </p:to>
+                                    </p:set>
+                                  </p:childTnLst>
+                                </p:cTn>
+                              </p:par>
+                            </p:childTnLst>
+                          </p:cTn>
+                        </p:par>
+                      </p:childTnLst>
+                    </p:cTn>
+                  </p:par>
+                  <p:par>
+                    <p:cTn id="7" fill="hold">
+                      <p:stCondLst>
+                        <p:cond delay="indefinite"/>
+                      </p:stCondLst>
+                      <p:childTnLst>
+                        <p:par>
+                          <p:cTn id="8" fill="hold">
+                            <p:stCondLst>
+                              <p:cond delay="0"/>
+                            </p:stCondLst>
+                            <p:childTnLst>
+                              <p:par>
+                                <p:cTn id="9" presetID="1" presetClass="entr" presetSubtype="0" fill="hold" grpId="0" nodeType="clickEffect">
+                                  <p:stCondLst>
+                                    <p:cond delay="0"/>
+                                  </p:stCondLst>
+                                  <p:childTnLst>
+                                    <p:set>
+                                      <p:cBhvr>
+                                        <p:cTn id="10" dur="1" fill="hold">
+                                          <p:stCondLst>
+                                            <p:cond delay="0"/>
+                                          </p:stCondLst>
+                                        </p:cTn>
+                                        <p:tgtEl>
+                                          <p:spTgt spid="4">
+                                            <p:txEl>
+                                              <p:pRg st="1" end="1"/>
+                                            </p:txEl>
+                                          </p:spTgt>
+                                        </p:tgtEl>
+                                        <p:attrNameLst>
+                                          <p:attrName>style.visibility</p:attrName>
+                                        </p:attrNameLst>
+                                      </p:cBhvr>
+                                      <p:to>
+                                        <p:strVal val="visible"/>
+                                      </p:to>
+                                    </p:set>
+                                  </p:childTnLst>
+                                </p:cTn>
+                              </p:par>
+                            </p:childTnLst>
+                          </p:cTn>
+                        </p:par>
+                      </p:childTnLst>
+                    </p:cTn>
+                  </p:par>
+                  <p:par>
+                    <p:cTn id="11" fill="hold">
+                      <p:stCondLst>
+                        <p:cond delay="indefinite"/>
+                      </p:stCondLst>
+                      <p:childTnLst>
+                        <p:par>
+                          <p:cTn id="12" fill="hold">
+                            <p:stCondLst>
+                              <p:cond delay="0"/>
+                            </p:stCondLst>
+                            <p:childTnLst>
+                              <p:par>
+                                <p:cTn id="13" presetID="1" presetClass="entr" presetSubtype="0" fill="hold" grpId="0" nodeType="clickEffect">
+                                  <p:stCondLst>
+                                    <p:cond delay="0"/>
+                                  </p:stCondLst>
+                                  <p:childTnLst>
+                                    <p:set>
+                                      <p:cBhvr>
+                                        <p:cTn id="14" dur="1" fill="hold">
+                                          <p:stCondLst>
+                                            <p:cond delay="0"/>
+                                          </p:stCondLst>
+                                        </p:cTn>
+                                        <p:tgtEl>
+                                          <p:spTgt spid="4">
+                                            <p:txEl>
+                                              <p:pRg st="2" end="2"/>
+                                            </p:txEl>
+                                          </p:spTgt>
+                                        </p:tgtEl>
+                                        <p:attrNameLst>
+                                          <p:attrName>style.visibility</p:attrName>
+                                        </p:attrNameLst>
+                                      </p:cBhvr>
+                                      <p:to>
+                                        <p:strVal val="visible"/>
+                                      </p:to>
+                                    </p:set>
+                                  </p:childTnLst>
+                                </p:cTn>
+                              </p:par>
+                            </p:childTnLst>
+                          </p:cTn>
+                        </p:par>
+                      </p:childTnLst>
+                    </p:cTn>
+                  </p:par>
+                  <p:par>
+                    <p:cTn id="15" fill="hold">
+                      <p:stCondLst>
+                        <p:cond delay="indefinite"/>
+                      </p:stCondLst>
+                      <p:childTnLst>
+                        <p:par>
+                          <p:cTn id="16" fill="hold">
+                            <p:stCondLst>
+                              <p:cond delay="0"/>
+                            </p:stCondLst>
+                            <p:childTnLst>
+                              <p:par>
+                                <p:cTn id="17" presetID="1" presetClass="entr" presetSubtype="0" fill="hold" grpId="0" nodeType="clickEffect">
+                                  <p:stCondLst>
+                                    <p:cond delay="0"/>
+                                  </p:stCondLst>
+                                  <p:childTnLst>
+                                    <p:set>
+                                      <p:cBhvr>
+                                        <p:cTn id="18" dur="1" fill="hold">
+                                          <p:stCondLst>
+                                            <p:cond delay="0"/>
+                                          </p:stCondLst>
+                                        </p:cTn>
+                                        <p:tgtEl>
+                                          <p:spTgt spid="4">
+                                            <p:txEl>
+                                              <p:pRg st="3" end="3"/>
+                                            </p:txEl>
+                                          </p:spTgt>
+                                        </p:tgtEl>
+                                        <p:attrNameLst>
+                                          <p:attrName>style.visibility</p:attrName>
+                                        </p:attrNameLst>
+                                      </p:cBhvr>
+                                      <p:to>
+                                        <p:strVal val="visible"/>
+                                      </p:to>
+                                    </p:set>
+                                  </p:childTnLst>
+                                </p:cTn>
+                              </p:par>
+                            </p:childTnLst>
+                          </p:cTn>
+                        </p:par>
+                      </p:childTnLst>
+                    </p:cTn>
+                  </p:par>
+                  <p:par>
+                    <p:cTn id="19" fill="hold">
+                      <p:stCondLst>
+                        <p:cond delay="indefinite"/>
+                      </p:stCondLst>
+                      <p:childTnLst>
+                        <p:par>
+                          <p:cTn id="20" fill="hold">
+                            <p:stCondLst>
+                              <p:cond delay="0"/>
+                            </p:stCondLst>
+                            <p:childTnLst>
+                              <p:par>
+                                <p:cTn id="21" presetID="1" presetClass="entr" presetSubtype="0" fill="hold" grpId="0" nodeType="clickEffect">
+                                  <p:stCondLst>
+                                    <p:cond delay="0"/>
+                                  </p:stCondLst>
+                                  <p:childTnLst>
+                                    <p:set>
+                                      <p:cBhvr>
+                                        <p:cTn id="22" dur="1" fill="hold">
+                                          <p:stCondLst>
+                                            <p:cond delay="0"/>
+                                          </p:stCondLst>
+                                        </p:cTn>
+                                        <p:tgtEl>
+                                          <p:spTgt spid="4">
+                                            <p:txEl>
+                                              <p:pRg st="4" end="4"/>
+                                            </p:txEl>
+                                          </p:spTgt>
+                                        </p:tgtEl>
+                                        <p:attrNameLst>
+                                          <p:attrName>style.visibility</p:attrName>
+                                        </p:attrNameLst>
+                                      </p:cBhvr>
+                                      <p:to>
+                                        <p:strVal val="visible"/>
+                                      </p:to>
+                                    </p:set>
+                                  </p:childTnLst>
+                                </p:cTn>
+                              </p:par>
+                            </p:childTnLst>
+                          </p:cTn>
+                        </p:par>
+                      </p:childTnLst>
+                    </p:cTn>
+                  </p:par>
+                  <p:par>
+                    <p:cTn id="23" fill="hold">
+                      <p:stCondLst>
+                        <p:cond delay="indefinite"/>
+                      </p:stCondLst>
+                      <p:childTnLst>
+                        <p:par>
+                          <p:cTn id="24" fill="hold">
+                            <p:stCondLst>
+                              <p:cond delay="0"/>
+                            </p:stCondLst>
+                            <p:childTnLst>
+                              <p:par>
+                                <p:cTn id="25" presetID="1" presetClass="entr" presetSubtype="0" fill="hold" grpId="0" nodeType="clickEffect">
+                                  <p:stCondLst>
+                                    <p:cond delay="0"/>
+                                  </p:stCondLst>
+                                  <p:childTnLst>
+                                    <p:set>
+                                      <p:cBhvr>
+                                        <p:cTn id="26" dur="1" fill="hold">
+                                          <p:stCondLst>
+                                            <p:cond delay="0"/>
+                                          </p:stCondLst>
+                                        </p:cTn>
+                                        <p:tgtEl>
+                                          <p:spTgt spid="4">
+                                            <p:txEl>
+                                              <p:pRg st="5" end="5"/>
+                                            </p:txEl>
+                                          </p:spTgt>
+                                        </p:tgtEl>
+                                        <p:attrNameLst>
+                                          <p:attrName>style.visibility</p:attrName>
+                                        </p:attrNameLst>
+                                      </p:cBhvr>
+                                      <p:to>
+                                        <p:strVal val="visible"/>
+                                      </p:to>
+                                    </p:set>
+                                  </p:childTnLst>
+                                </p:cTn>
+                              </p:par>
+                            </p:childTnLst>
+                          </p:cTn>
+                        </p:par>
+                      </p:childTnLst>
+                    </p:cTn>
+                  </p:par>
+                  <p:par>
+                    <p:cTn id="27" fill="hold">
+                      <p:stCondLst>
+                        <p:cond delay="indefinite"/>
+                      </p:stCondLst>
+                      <p:childTnLst>
+                        <p:par>
+                          <p:cTn id="28" fill="hold">
+                            <p:stCondLst>
+                              <p:cond delay="0"/>
+                            </p:stCondLst>
+                            <p:childTnLst>
+                              <p:par>
+                                <p:cTn id="29" presetID="1" presetClass="entr" presetSubtype="0" fill="hold" grpId="0" nodeType="clickEffect">
+                                  <p:stCondLst>
+                                    <p:cond delay="0"/>
+                                  </p:stCondLst>
+                                  <p:childTnLst>
+                                    <p:set>
+                                      <p:cBhvr>
+                                        <p:cTn id="30" dur="1" fill="hold">
+                                          <p:stCondLst>
+                                            <p:cond delay="0"/>
+                                          </p:stCondLst>
+                                        </p:cTn>
+                                        <p:tgtEl>
+                                          <p:spTgt spid="4">
+                                            <p:txEl>
+                                              <p:pRg st="6" end="6"/>
+                                            </p:txEl>
+                                          </p:spTgt>
+                                        </p:tgtEl>
+                                        <p:attrNameLst>
+                                          <p:attrName>style.visibility</p:attrName>
+                                        </p:attrNameLst>
+                                      </p:cBhvr>
+                                      <p:to>
+                                        <p:strVal val="visible"/>
+                                      </p:to>
+                                    </p:set>
+                                  </p:childTnLst>
+                                </p:cTn>
+                              </p:par>
+                            </p:childTnLst>
+                          </p:cTn>
+                        </p:par>
+                      </p:childTnLst>
+                    </p:cTn>
+                  </p:par>
+                </p:childTnLst>
+              </p:cTn>
+              <p:prevCondLst>
+                <p:cond evt="onPrev" delay="0">
+                  <p:tgtEl>
+                    <p:sldTgt/>
+                  </p:tgtEl>
+                </p:cond>
+              </p:prevCondLst>
+              <p:nextCondLst>
+                <p:cond evt="onNext" delay="0">
+                  <p:tgtEl>
+                    <p:sldTgt/>
+                  </p:tgtEl>
+                </p:cond>
+              </p:nextCondLst>
+            </p:seq>
+          </p:childTnLst>
+        </p:cTn>
+      </p:par>
+    </p:tnLst>
+    <p:bldLst>
+      <p:bldP spid="4" grpId="0" build="p"/>
+    </p:bldLst>
+  </p:timing>
 </p:sld>
 </file>
 
@@ -24267,6 +25272,98 @@
           <p:cNvPr id="5" name="Title 4">
             <a:extLst>
               <a:ext uri="{FF2B5EF4-FFF2-40B4-BE49-F238E27FC236}">
+                <a16:creationId xmlns:a16="http://schemas.microsoft.com/office/drawing/2014/main" id="{3F6BD966-1A5E-4D28-8571-7EB101274AE5}"/>
+              </a:ext>
+            </a:extLst>
+          </p:cNvPr>
+          <p:cNvSpPr>
+            <a:spLocks noGrp="1"/>
+          </p:cNvSpPr>
+          <p:nvPr>
+            <p:ph type="title"/>
+          </p:nvPr>
+        </p:nvSpPr>
+        <p:spPr/>
+        <p:txBody>
+          <a:bodyPr/>
+          <a:lstStyle/>
+          <a:p>
+            <a:r>
+              <a:rPr lang="en-US" dirty="0"/>
+              <a:t>Cyclomatic Complexity</a:t>
+            </a:r>
+          </a:p>
+        </p:txBody>
+      </p:sp>
+      <p:graphicFrame>
+        <p:nvGraphicFramePr>
+          <p:cNvPr id="7" name="Content Placeholder 6">
+            <a:extLst>
+              <a:ext uri="{FF2B5EF4-FFF2-40B4-BE49-F238E27FC236}">
+                <a16:creationId xmlns:a16="http://schemas.microsoft.com/office/drawing/2014/main" id="{0D92F67F-52D9-40C0-8D72-AB31D94CDED1}"/>
+              </a:ext>
+            </a:extLst>
+          </p:cNvPr>
+          <p:cNvGraphicFramePr>
+            <a:graphicFrameLocks noGrp="1"/>
+          </p:cNvGraphicFramePr>
+          <p:nvPr>
+            <p:ph sz="quarter" idx="10"/>
+            <p:extLst>
+              <p:ext uri="{D42A27DB-BD31-4B8C-83A1-F6EECF244321}">
+                <p14:modId xmlns:p14="http://schemas.microsoft.com/office/powerpoint/2010/main" val="2611860801"/>
+              </p:ext>
+            </p:extLst>
+          </p:nvPr>
+        </p:nvGraphicFramePr>
+        <p:xfrm>
+          <a:off x="584200" y="1435100"/>
+          <a:ext cx="11018838" cy="4833938"/>
+        </p:xfrm>
+        <a:graphic>
+          <a:graphicData uri="http://schemas.openxmlformats.org/drawingml/2006/chart">
+            <c:chart xmlns:c="http://schemas.openxmlformats.org/drawingml/2006/chart" xmlns:r="http://schemas.openxmlformats.org/officeDocument/2006/relationships" r:id="rId2"/>
+          </a:graphicData>
+        </a:graphic>
+      </p:graphicFrame>
+    </p:spTree>
+    <p:extLst>
+      <p:ext uri="{BB962C8B-B14F-4D97-AF65-F5344CB8AC3E}">
+        <p14:creationId xmlns:p14="http://schemas.microsoft.com/office/powerpoint/2010/main" val="2126734237"/>
+      </p:ext>
+    </p:extLst>
+  </p:cSld>
+  <p:clrMapOvr>
+    <a:masterClrMapping/>
+  </p:clrMapOvr>
+  <p:transition>
+    <p:fade/>
+  </p:transition>
+</p:sld>
+</file>
+
+<file path=ppt/slides/slide9.xml><?xml version="1.0" encoding="utf-8"?>
+<p:sld xmlns:a="http://schemas.openxmlformats.org/drawingml/2006/main" xmlns:r="http://schemas.openxmlformats.org/officeDocument/2006/relationships" xmlns:p="http://schemas.openxmlformats.org/presentationml/2006/main">
+  <p:cSld>
+    <p:spTree>
+      <p:nvGrpSpPr>
+        <p:cNvPr id="1" name=""/>
+        <p:cNvGrpSpPr/>
+        <p:nvPr/>
+      </p:nvGrpSpPr>
+      <p:grpSpPr>
+        <a:xfrm>
+          <a:off x="0" y="0"/>
+          <a:ext cx="0" cy="0"/>
+          <a:chOff x="0" y="0"/>
+          <a:chExt cx="0" cy="0"/>
+        </a:xfrm>
+      </p:grpSpPr>
+      <p:sp>
+        <p:nvSpPr>
+          <p:cNvPr id="5" name="Title 4">
+            <a:extLst>
+              <a:ext uri="{FF2B5EF4-FFF2-40B4-BE49-F238E27FC236}">
                 <a16:creationId xmlns:a16="http://schemas.microsoft.com/office/drawing/2014/main" id="{5C11A39F-5003-4683-A478-A370734D8F87}"/>
               </a:ext>
             </a:extLst>
@@ -24312,200 +25409,6 @@
       </p:transition>
     </mc:Fallback>
   </mc:AlternateContent>
-</p:sld>
-</file>
-
-<file path=ppt/slides/slide9.xml><?xml version="1.0" encoding="utf-8"?>
-<p:sld xmlns:a="http://schemas.openxmlformats.org/drawingml/2006/main" xmlns:r="http://schemas.openxmlformats.org/officeDocument/2006/relationships" xmlns:p="http://schemas.openxmlformats.org/presentationml/2006/main">
-  <p:cSld>
-    <p:spTree>
-      <p:nvGrpSpPr>
-        <p:cNvPr id="1" name=""/>
-        <p:cNvGrpSpPr/>
-        <p:nvPr/>
-      </p:nvGrpSpPr>
-      <p:grpSpPr>
-        <a:xfrm>
-          <a:off x="0" y="0"/>
-          <a:ext cx="0" cy="0"/>
-          <a:chOff x="0" y="0"/>
-          <a:chExt cx="0" cy="0"/>
-        </a:xfrm>
-      </p:grpSpPr>
-      <p:sp>
-        <p:nvSpPr>
-          <p:cNvPr id="4" name="Title 3">
-            <a:extLst>
-              <a:ext uri="{FF2B5EF4-FFF2-40B4-BE49-F238E27FC236}">
-                <a16:creationId xmlns:a16="http://schemas.microsoft.com/office/drawing/2014/main" id="{788FD1A4-EFAC-45D7-BC7F-B509F7BE96C3}"/>
-              </a:ext>
-            </a:extLst>
-          </p:cNvPr>
-          <p:cNvSpPr>
-            <a:spLocks noGrp="1"/>
-          </p:cNvSpPr>
-          <p:nvPr>
-            <p:ph type="title"/>
-          </p:nvPr>
-        </p:nvSpPr>
-        <p:spPr/>
-        <p:txBody>
-          <a:bodyPr/>
-          <a:lstStyle/>
-          <a:p>
-            <a:r>
-              <a:rPr lang="en-US" dirty="0"/>
-              <a:t>Design Patterns</a:t>
-            </a:r>
-          </a:p>
-        </p:txBody>
-      </p:sp>
-      <p:sp>
-        <p:nvSpPr>
-          <p:cNvPr id="5" name="Text Placeholder 4">
-            <a:extLst>
-              <a:ext uri="{FF2B5EF4-FFF2-40B4-BE49-F238E27FC236}">
-                <a16:creationId xmlns:a16="http://schemas.microsoft.com/office/drawing/2014/main" id="{41957933-3588-428F-A3A1-7BE5CD071F12}"/>
-              </a:ext>
-            </a:extLst>
-          </p:cNvPr>
-          <p:cNvSpPr>
-            <a:spLocks noGrp="1"/>
-          </p:cNvSpPr>
-          <p:nvPr>
-            <p:ph type="body" sz="quarter" idx="10"/>
-          </p:nvPr>
-        </p:nvSpPr>
-        <p:spPr/>
-        <p:txBody>
-          <a:bodyPr>
-            <a:noAutofit/>
-          </a:bodyPr>
-          <a:lstStyle/>
-          <a:p>
-            <a:r>
-              <a:rPr lang="en-US" dirty="0" err="1"/>
-              <a:t>IoC</a:t>
-            </a:r>
-            <a:r>
-              <a:rPr lang="en-US" dirty="0"/>
-              <a:t> Container</a:t>
-            </a:r>
-          </a:p>
-          <a:p>
-            <a:r>
-              <a:rPr lang="en-US" dirty="0"/>
-              <a:t>Adapter</a:t>
-            </a:r>
-          </a:p>
-          <a:p>
-            <a:r>
-              <a:rPr lang="en-US" dirty="0"/>
-              <a:t>Factory Method</a:t>
-            </a:r>
-          </a:p>
-          <a:p>
-            <a:r>
-              <a:rPr lang="en-US" dirty="0"/>
-              <a:t>Singleton</a:t>
-            </a:r>
-          </a:p>
-          <a:p>
-            <a:r>
-              <a:rPr lang="en-US" dirty="0"/>
-              <a:t>Iterator</a:t>
-            </a:r>
-          </a:p>
-          <a:p>
-            <a:r>
-              <a:rPr lang="en-US" dirty="0"/>
-              <a:t>Façade</a:t>
-            </a:r>
-          </a:p>
-          <a:p>
-            <a:r>
-              <a:rPr lang="en-US" dirty="0"/>
-              <a:t>Chain of Responsibility</a:t>
-            </a:r>
-          </a:p>
-          <a:p>
-            <a:r>
-              <a:rPr lang="en-US" dirty="0"/>
-              <a:t>Strategy</a:t>
-            </a:r>
-          </a:p>
-          <a:p>
-            <a:r>
-              <a:rPr lang="en-US" dirty="0"/>
-              <a:t>Bridge</a:t>
-            </a:r>
-          </a:p>
-        </p:txBody>
-      </p:sp>
-      <p:sp>
-        <p:nvSpPr>
-          <p:cNvPr id="2" name="Text Placeholder 1">
-            <a:extLst>
-              <a:ext uri="{FF2B5EF4-FFF2-40B4-BE49-F238E27FC236}">
-                <a16:creationId xmlns:a16="http://schemas.microsoft.com/office/drawing/2014/main" id="{167BFD34-E210-4459-831D-2CCB97CF41BF}"/>
-              </a:ext>
-            </a:extLst>
-          </p:cNvPr>
-          <p:cNvSpPr>
-            <a:spLocks noGrp="1"/>
-          </p:cNvSpPr>
-          <p:nvPr>
-            <p:ph type="body" sz="quarter" idx="12"/>
-          </p:nvPr>
-        </p:nvSpPr>
-        <p:spPr>
-          <a:xfrm>
-            <a:off x="6397171" y="1435100"/>
-            <a:ext cx="5212080" cy="2185214"/>
-          </a:xfrm>
-        </p:spPr>
-        <p:txBody>
-          <a:bodyPr/>
-          <a:lstStyle/>
-          <a:p>
-            <a:r>
-              <a:rPr lang="en-US" b="1" dirty="0"/>
-              <a:t>Saved for later:</a:t>
-            </a:r>
-          </a:p>
-          <a:p>
-            <a:r>
-              <a:rPr lang="en-US" dirty="0"/>
-              <a:t>Command (MVVM)</a:t>
-            </a:r>
-          </a:p>
-          <a:p>
-            <a:r>
-              <a:rPr lang="en-US" dirty="0"/>
-              <a:t>Observer (MVVM)</a:t>
-            </a:r>
-          </a:p>
-          <a:p>
-            <a:r>
-              <a:rPr lang="en-US" dirty="0"/>
-              <a:t>Proxy (Web API)</a:t>
-            </a:r>
-          </a:p>
-        </p:txBody>
-      </p:sp>
-    </p:spTree>
-    <p:extLst>
-      <p:ext uri="{BB962C8B-B14F-4D97-AF65-F5344CB8AC3E}">
-        <p14:creationId xmlns:p14="http://schemas.microsoft.com/office/powerpoint/2010/main" val="270978926"/>
-      </p:ext>
-    </p:extLst>
-  </p:cSld>
-  <p:clrMapOvr>
-    <a:masterClrMapping/>
-  </p:clrMapOvr>
-  <p:transition>
-    <p:fade/>
-  </p:transition>
 </p:sld>
 </file>
 
@@ -25662,6 +26565,23 @@
 </file>
 
 <file path=customXml/item1.xml><?xml version="1.0" encoding="utf-8"?>
+<p:properties xmlns:p="http://schemas.microsoft.com/office/2006/metadata/properties" xmlns:xsi="http://www.w3.org/2001/XMLSchema-instance" xmlns:pc="http://schemas.microsoft.com/office/infopath/2007/PartnerControls">
+  <documentManagement>
+    <MediaServiceKeyPoints xmlns="965de625-df5b-42e9-a277-2113da4f1195" xsi:nil="true"/>
+  </documentManagement>
+</p:properties>
+</file>
+
+<file path=customXml/item2.xml><?xml version="1.0" encoding="utf-8"?>
+<?mso-contentType ?>
+<FormTemplates xmlns="http://schemas.microsoft.com/sharepoint/v3/contenttype/forms">
+  <Display>DocumentLibraryForm</Display>
+  <Edit>DocumentLibraryForm</Edit>
+  <New>DocumentLibraryForm</New>
+</FormTemplates>
+</file>
+
+<file path=customXml/item3.xml><?xml version="1.0" encoding="utf-8"?>
 <ct:contentTypeSchema xmlns:ct="http://schemas.microsoft.com/office/2006/metadata/contentType" xmlns:ma="http://schemas.microsoft.com/office/2006/metadata/properties/metaAttributes" ct:_="" ma:_="" ma:contentTypeName="Document" ma:contentTypeID="0x010100BD9FAF4CD5AD2F4B99B5B2414089ABF7" ma:contentTypeVersion="14" ma:contentTypeDescription="Create a new document." ma:contentTypeScope="" ma:versionID="15419eb272c8997d22174cab72b81ac5">
   <xsd:schema xmlns:xsd="http://www.w3.org/2001/XMLSchema" xmlns:xs="http://www.w3.org/2001/XMLSchema" xmlns:p="http://schemas.microsoft.com/office/2006/metadata/properties" xmlns:ns2="dcf5ddc1-fb1d-440f-849a-6450bddbaed7" xmlns:ns3="965de625-df5b-42e9-a277-2113da4f1195" targetNamespace="http://schemas.microsoft.com/office/2006/metadata/properties" ma:root="true" ma:fieldsID="366f960d0717a06e650b8dd07cd5f805" ns2:_="" ns3:_="">
     <xsd:import namespace="dcf5ddc1-fb1d-440f-849a-6450bddbaed7"/>
@@ -25892,24 +26812,34 @@
 </ct:contentTypeSchema>
 </file>
 
-<file path=customXml/item2.xml><?xml version="1.0" encoding="utf-8"?>
-<?mso-contentType ?>
-<FormTemplates xmlns="http://schemas.microsoft.com/sharepoint/v3/contenttype/forms">
-  <Display>DocumentLibraryForm</Display>
-  <Edit>DocumentLibraryForm</Edit>
-  <New>DocumentLibraryForm</New>
-</FormTemplates>
+<file path=customXml/itemProps1.xml><?xml version="1.0" encoding="utf-8"?>
+<ds:datastoreItem xmlns:ds="http://schemas.openxmlformats.org/officeDocument/2006/customXml" ds:itemID="{F990F116-B58F-4255-B05B-DA3808E0E5C6}">
+  <ds:schemaRefs>
+    <ds:schemaRef ds:uri="http://purl.org/dc/elements/1.1/"/>
+    <ds:schemaRef ds:uri="http://schemas.microsoft.com/office/2006/metadata/properties"/>
+    <ds:schemaRef ds:uri="e4aa919a-b200-49cb-beca-4c7e0810321e"/>
+    <ds:schemaRef ds:uri="06670dda-0291-4061-b6e0-f6c0cb392c51"/>
+    <ds:schemaRef ds:uri="http://schemas.microsoft.com/office/2006/documentManagement/types"/>
+    <ds:schemaRef ds:uri="http://schemas.microsoft.com/office/infopath/2007/PartnerControls"/>
+    <ds:schemaRef ds:uri="http://purl.org/dc/dcmitype/"/>
+    <ds:schemaRef ds:uri="http://schemas.microsoft.com/sharepoint/v3"/>
+    <ds:schemaRef ds:uri="http://schemas.openxmlformats.org/package/2006/metadata/core-properties"/>
+    <ds:schemaRef ds:uri="http://www.w3.org/XML/1998/namespace"/>
+    <ds:schemaRef ds:uri="http://purl.org/dc/terms/"/>
+    <ds:schemaRef ds:uri="965de625-df5b-42e9-a277-2113da4f1195"/>
+  </ds:schemaRefs>
+</ds:datastoreItem>
 </file>
 
-<file path=customXml/item3.xml><?xml version="1.0" encoding="utf-8"?>
-<p:properties xmlns:p="http://schemas.microsoft.com/office/2006/metadata/properties" xmlns:xsi="http://www.w3.org/2001/XMLSchema-instance" xmlns:pc="http://schemas.microsoft.com/office/infopath/2007/PartnerControls">
-  <documentManagement>
-    <MediaServiceKeyPoints xmlns="965de625-df5b-42e9-a277-2113da4f1195" xsi:nil="true"/>
-  </documentManagement>
-</p:properties>
+<file path=customXml/itemProps2.xml><?xml version="1.0" encoding="utf-8"?>
+<ds:datastoreItem xmlns:ds="http://schemas.openxmlformats.org/officeDocument/2006/customXml" ds:itemID="{758FDAC0-319D-4A54-8D8E-1D42CB1F8004}">
+  <ds:schemaRefs>
+    <ds:schemaRef ds:uri="http://schemas.microsoft.com/sharepoint/v3/contenttype/forms"/>
+  </ds:schemaRefs>
+</ds:datastoreItem>
 </file>
 
-<file path=customXml/itemProps1.xml><?xml version="1.0" encoding="utf-8"?>
+<file path=customXml/itemProps3.xml><?xml version="1.0" encoding="utf-8"?>
 <ds:datastoreItem xmlns:ds="http://schemas.openxmlformats.org/officeDocument/2006/customXml" ds:itemID="{B28DDFE8-80D6-4A60-B5D6-41E509D3A2B4}">
   <ds:schemaRefs>
     <ds:schemaRef ds:uri="http://schemas.microsoft.com/office/2006/metadata/contentType"/>
@@ -25926,31 +26856,4 @@
     <ds:schemaRef ds:uri="http://schemas.microsoft.com/internal/obd"/>
   </ds:schemaRefs>
 </ds:datastoreItem>
-</file>
-
-<file path=customXml/itemProps2.xml><?xml version="1.0" encoding="utf-8"?>
-<ds:datastoreItem xmlns:ds="http://schemas.openxmlformats.org/officeDocument/2006/customXml" ds:itemID="{758FDAC0-319D-4A54-8D8E-1D42CB1F8004}">
-  <ds:schemaRefs>
-    <ds:schemaRef ds:uri="http://schemas.microsoft.com/sharepoint/v3/contenttype/forms"/>
-  </ds:schemaRefs>
-</ds:datastoreItem>
-</file>
-
-<file path=customXml/itemProps3.xml><?xml version="1.0" encoding="utf-8"?>
-<ds:datastoreItem xmlns:ds="http://schemas.openxmlformats.org/officeDocument/2006/customXml" ds:itemID="{F990F116-B58F-4255-B05B-DA3808E0E5C6}">
-  <ds:schemaRefs>
-    <ds:schemaRef ds:uri="http://purl.org/dc/elements/1.1/"/>
-    <ds:schemaRef ds:uri="http://schemas.microsoft.com/office/2006/metadata/properties"/>
-    <ds:schemaRef ds:uri="e4aa919a-b200-49cb-beca-4c7e0810321e"/>
-    <ds:schemaRef ds:uri="06670dda-0291-4061-b6e0-f6c0cb392c51"/>
-    <ds:schemaRef ds:uri="http://schemas.microsoft.com/office/2006/documentManagement/types"/>
-    <ds:schemaRef ds:uri="http://schemas.microsoft.com/office/infopath/2007/PartnerControls"/>
-    <ds:schemaRef ds:uri="http://purl.org/dc/dcmitype/"/>
-    <ds:schemaRef ds:uri="http://schemas.microsoft.com/sharepoint/v3"/>
-    <ds:schemaRef ds:uri="http://schemas.openxmlformats.org/package/2006/metadata/core-properties"/>
-    <ds:schemaRef ds:uri="http://www.w3.org/XML/1998/namespace"/>
-    <ds:schemaRef ds:uri="http://purl.org/dc/terms/"/>
-    <ds:schemaRef ds:uri="965de625-df5b-42e9-a277-2113da4f1195"/>
-  </ds:schemaRefs>
-</ds:datastoreItem>
 </file>
--- a/Slides/Lecture07 - Design Patterns in Practice.pptx
+++ b/Slides/Lecture07 - Design Patterns in Practice.pptx
@@ -6,10 +6,10 @@
     <p:sldMasterId id="2147484675" r:id="rId5"/>
   </p:sldMasterIdLst>
   <p:notesMasterIdLst>
-    <p:notesMasterId r:id="rId27"/>
+    <p:notesMasterId r:id="rId28"/>
   </p:notesMasterIdLst>
   <p:handoutMasterIdLst>
-    <p:handoutMasterId r:id="rId28"/>
+    <p:handoutMasterId r:id="rId29"/>
   </p:handoutMasterIdLst>
   <p:sldIdLst>
     <p:sldId id="1663" r:id="rId6"/>
@@ -24,15 +24,16 @@
     <p:sldId id="1664" r:id="rId15"/>
     <p:sldId id="1666" r:id="rId16"/>
     <p:sldId id="1670" r:id="rId17"/>
-    <p:sldId id="1667" r:id="rId18"/>
-    <p:sldId id="1668" r:id="rId19"/>
-    <p:sldId id="1671" r:id="rId20"/>
-    <p:sldId id="1672" r:id="rId21"/>
-    <p:sldId id="1684" r:id="rId22"/>
-    <p:sldId id="1673" r:id="rId23"/>
-    <p:sldId id="1674" r:id="rId24"/>
-    <p:sldId id="1675" r:id="rId25"/>
-    <p:sldId id="1676" r:id="rId26"/>
+    <p:sldId id="1686" r:id="rId18"/>
+    <p:sldId id="1667" r:id="rId19"/>
+    <p:sldId id="1668" r:id="rId20"/>
+    <p:sldId id="1671" r:id="rId21"/>
+    <p:sldId id="1672" r:id="rId22"/>
+    <p:sldId id="1684" r:id="rId23"/>
+    <p:sldId id="1673" r:id="rId24"/>
+    <p:sldId id="1674" r:id="rId25"/>
+    <p:sldId id="1675" r:id="rId26"/>
+    <p:sldId id="1676" r:id="rId27"/>
   </p:sldIdLst>
   <p:sldSz cx="12192000" cy="6858000"/>
   <p:notesSz cx="6858000" cy="9144000"/>
@@ -148,6 +149,7 @@
             <p14:sldId id="1664"/>
             <p14:sldId id="1666"/>
             <p14:sldId id="1670"/>
+            <p14:sldId id="1686"/>
             <p14:sldId id="1667"/>
             <p14:sldId id="1668"/>
             <p14:sldId id="1671"/>
@@ -275,7 +277,7 @@
               <a:cs typeface="+mn-cs"/>
             </a:defRPr>
           </a:pPr>
-          <a:endParaRPr lang="en-US"/>
+          <a:endParaRPr lang="LID4096"/>
         </a:p>
       </c:txPr>
     </c:title>
@@ -660,7 +662,7 @@
                 <a:cs typeface="+mn-cs"/>
               </a:defRPr>
             </a:pPr>
-            <a:endParaRPr lang="en-US"/>
+            <a:endParaRPr lang="LID4096"/>
           </a:p>
         </c:txPr>
         <c:crossAx val="604340768"/>
@@ -719,7 +721,7 @@
                 <a:cs typeface="+mn-cs"/>
               </a:defRPr>
             </a:pPr>
-            <a:endParaRPr lang="en-US"/>
+            <a:endParaRPr lang="LID4096"/>
           </a:p>
         </c:txPr>
         <c:crossAx val="98007808"/>
@@ -761,7 +763,7 @@
               <a:cs typeface="+mn-cs"/>
             </a:defRPr>
           </a:pPr>
-          <a:endParaRPr lang="en-US"/>
+          <a:endParaRPr lang="LID4096"/>
         </a:p>
       </c:txPr>
     </c:legend>
@@ -790,7 +792,7 @@
       <a:pPr>
         <a:defRPr/>
       </a:pPr>
-      <a:endParaRPr lang="en-US"/>
+      <a:endParaRPr lang="LID4096"/>
     </a:p>
   </c:txPr>
   <c:externalData r:id="rId3">
@@ -1428,7 +1430,7 @@
               <a:rPr lang="en-US" smtClean="0">
                 <a:latin typeface="Segoe UI" pitchFamily="34" charset="0"/>
               </a:rPr>
-              <a:t>10/25/2019 9:12 AM</a:t>
+              <a:t>10/28/2019 12:21 PM</a:t>
             </a:fld>
             <a:endParaRPr lang="en-US" dirty="0">
               <a:latin typeface="Segoe UI" pitchFamily="34" charset="0"/>
@@ -1706,7 +1708,7 @@
           <a:p>
             <a:fld id="{386CE63F-9E7F-4C04-9D0D-FCA25A8E9E86}" type="datetime8">
               <a:rPr lang="en-US" smtClean="0"/>
-              <a:t>10/25/2019 9:11 AM</a:t>
+              <a:t>10/28/2019 12:19 PM</a:t>
             </a:fld>
             <a:endParaRPr lang="en-US" dirty="0"/>
           </a:p>
@@ -2073,7 +2075,7 @@
           <a:p>
             <a:fld id="{321E5A7B-BB8D-4368-A182-109669521632}" type="datetime8">
               <a:rPr lang="en-US" smtClean="0"/>
-              <a:t>10/25/2019 9:11 AM</a:t>
+              <a:t>10/28/2019 12:19 PM</a:t>
             </a:fld>
             <a:endParaRPr lang="en-US" dirty="0"/>
           </a:p>
@@ -20701,10 +20703,15 @@
             <p:ph type="body" sz="quarter" idx="10"/>
           </p:nvPr>
         </p:nvSpPr>
-        <p:spPr/>
+        <p:spPr>
+          <a:xfrm>
+            <a:off x="584200" y="1435100"/>
+            <a:ext cx="5212080" cy="4757420"/>
+          </a:xfrm>
+        </p:spPr>
         <p:txBody>
           <a:bodyPr>
-            <a:noAutofit/>
+            <a:normAutofit fontScale="92500" lnSpcReduction="20000"/>
           </a:bodyPr>
           <a:lstStyle/>
           <a:p>
@@ -20715,6 +20722,12 @@
             <a:r>
               <a:rPr lang="en-US" dirty="0"/>
               <a:t> Container</a:t>
+            </a:r>
+          </a:p>
+          <a:p>
+            <a:r>
+              <a:rPr lang="en-US" dirty="0"/>
+              <a:t>Builder</a:t>
             </a:r>
           </a:p>
           <a:p>
@@ -20786,7 +20799,7 @@
         <p:spPr>
           <a:xfrm>
             <a:off x="6397171" y="1435100"/>
-            <a:ext cx="5212080" cy="2185214"/>
+            <a:ext cx="5212080" cy="2062103"/>
           </a:xfrm>
         </p:spPr>
         <p:txBody>
@@ -20794,25 +20807,25 @@
           <a:lstStyle/>
           <a:p>
             <a:r>
-              <a:rPr lang="en-US" b="1" dirty="0"/>
+              <a:rPr lang="en-US" sz="2600" b="1" dirty="0"/>
               <a:t>Saved for later:</a:t>
             </a:r>
           </a:p>
           <a:p>
             <a:r>
-              <a:rPr lang="en-US" dirty="0"/>
+              <a:rPr lang="en-US" sz="2600" dirty="0"/>
               <a:t>Command (MVVM)</a:t>
             </a:r>
           </a:p>
           <a:p>
             <a:r>
-              <a:rPr lang="en-US" dirty="0"/>
+              <a:rPr lang="en-US" sz="2600" dirty="0"/>
               <a:t>Observer (MVVM)</a:t>
             </a:r>
           </a:p>
           <a:p>
             <a:r>
-              <a:rPr lang="en-US" dirty="0"/>
+              <a:rPr lang="en-US" sz="2600" dirty="0"/>
               <a:t>Proxy (Web API)</a:t>
             </a:r>
           </a:p>
@@ -21500,6 +21513,149 @@
           <p:cNvPr id="2" name="Title 1">
             <a:extLst>
               <a:ext uri="{FF2B5EF4-FFF2-40B4-BE49-F238E27FC236}">
+                <a16:creationId xmlns:a16="http://schemas.microsoft.com/office/drawing/2014/main" id="{6E5F1F24-3C6C-4CB2-8E7B-35FD39E3D81D}"/>
+              </a:ext>
+            </a:extLst>
+          </p:cNvPr>
+          <p:cNvSpPr>
+            <a:spLocks noGrp="1"/>
+          </p:cNvSpPr>
+          <p:nvPr>
+            <p:ph type="title"/>
+          </p:nvPr>
+        </p:nvSpPr>
+        <p:spPr/>
+        <p:txBody>
+          <a:bodyPr/>
+          <a:lstStyle/>
+          <a:p>
+            <a:r>
+              <a:rPr lang="da-DK" dirty="0"/>
+              <a:t>Builder</a:t>
+            </a:r>
+            <a:endParaRPr lang="LID4096" dirty="0"/>
+          </a:p>
+        </p:txBody>
+      </p:sp>
+      <p:sp>
+        <p:nvSpPr>
+          <p:cNvPr id="3" name="Text Placeholder 2">
+            <a:extLst>
+              <a:ext uri="{FF2B5EF4-FFF2-40B4-BE49-F238E27FC236}">
+                <a16:creationId xmlns:a16="http://schemas.microsoft.com/office/drawing/2014/main" id="{26A5AC53-87BD-4EBB-A249-1D87DE001A48}"/>
+              </a:ext>
+            </a:extLst>
+          </p:cNvPr>
+          <p:cNvSpPr>
+            <a:spLocks noGrp="1"/>
+          </p:cNvSpPr>
+          <p:nvPr>
+            <p:ph type="body" sz="quarter" idx="10"/>
+          </p:nvPr>
+        </p:nvSpPr>
+        <p:spPr>
+          <a:xfrm>
+            <a:off x="586390" y="1434370"/>
+            <a:ext cx="11018520" cy="2499146"/>
+          </a:xfrm>
+        </p:spPr>
+        <p:txBody>
+          <a:bodyPr/>
+          <a:lstStyle/>
+          <a:p>
+            <a:r>
+              <a:rPr lang="en-US" dirty="0"/>
+              <a:t> Separate the construction of a complex object from its representation</a:t>
+            </a:r>
+          </a:p>
+          <a:p>
+            <a:endParaRPr lang="en-US" dirty="0"/>
+          </a:p>
+          <a:p>
+            <a:r>
+              <a:rPr lang="da-DK" dirty="0"/>
+              <a:t>serviceCollection.AddScoped&lt;,&gt;();</a:t>
+            </a:r>
+          </a:p>
+          <a:p>
+            <a:r>
+              <a:rPr lang="da-DK" dirty="0"/>
+              <a:t>serviceCollection.BuildServiceProvider();</a:t>
+            </a:r>
+          </a:p>
+          <a:p>
+            <a:endParaRPr lang="LID4096" dirty="0"/>
+          </a:p>
+        </p:txBody>
+      </p:sp>
+      <p:pic>
+        <p:nvPicPr>
+          <p:cNvPr id="5" name="Picture 4" descr="A close up of a logo&#10;&#10;Description automatically generated">
+            <a:extLst>
+              <a:ext uri="{FF2B5EF4-FFF2-40B4-BE49-F238E27FC236}">
+                <a16:creationId xmlns:a16="http://schemas.microsoft.com/office/drawing/2014/main" id="{D73F0B51-6D2D-4D7E-9F63-B930A13607AD}"/>
+              </a:ext>
+            </a:extLst>
+          </p:cNvPr>
+          <p:cNvPicPr>
+            <a:picLocks noChangeAspect="1"/>
+          </p:cNvPicPr>
+          <p:nvPr/>
+        </p:nvPicPr>
+        <p:blipFill>
+          <a:blip r:embed="rId2"/>
+          <a:stretch>
+            <a:fillRect/>
+          </a:stretch>
+        </p:blipFill>
+        <p:spPr>
+          <a:xfrm>
+            <a:off x="2591238" y="3429000"/>
+            <a:ext cx="9525000" cy="3267075"/>
+          </a:xfrm>
+          <a:prstGeom prst="rect">
+            <a:avLst/>
+          </a:prstGeom>
+        </p:spPr>
+      </p:pic>
+    </p:spTree>
+    <p:extLst>
+      <p:ext uri="{BB962C8B-B14F-4D97-AF65-F5344CB8AC3E}">
+        <p14:creationId xmlns:p14="http://schemas.microsoft.com/office/powerpoint/2010/main" val="2623749093"/>
+      </p:ext>
+    </p:extLst>
+  </p:cSld>
+  <p:clrMapOvr>
+    <a:masterClrMapping/>
+  </p:clrMapOvr>
+  <p:transition>
+    <p:fade/>
+  </p:transition>
+</p:sld>
+</file>
+
+<file path=ppt/slides/slide14.xml><?xml version="1.0" encoding="utf-8"?>
+<p:sld xmlns:a="http://schemas.openxmlformats.org/drawingml/2006/main" xmlns:r="http://schemas.openxmlformats.org/officeDocument/2006/relationships" xmlns:p="http://schemas.openxmlformats.org/presentationml/2006/main">
+  <p:cSld>
+    <p:spTree>
+      <p:nvGrpSpPr>
+        <p:cNvPr id="1" name=""/>
+        <p:cNvGrpSpPr/>
+        <p:nvPr/>
+      </p:nvGrpSpPr>
+      <p:grpSpPr>
+        <a:xfrm>
+          <a:off x="0" y="0"/>
+          <a:ext cx="0" cy="0"/>
+          <a:chOff x="0" y="0"/>
+          <a:chExt cx="0" cy="0"/>
+        </a:xfrm>
+      </p:grpSpPr>
+      <p:sp>
+        <p:nvSpPr>
+          <p:cNvPr id="2" name="Title 1">
+            <a:extLst>
+              <a:ext uri="{FF2B5EF4-FFF2-40B4-BE49-F238E27FC236}">
                 <a16:creationId xmlns:a16="http://schemas.microsoft.com/office/drawing/2014/main" id="{67947D04-075F-469C-AA7E-0C6FAAD2D5C6}"/>
               </a:ext>
             </a:extLst>
@@ -21618,7 +21774,7 @@
 </p:sld>
 </file>
 
-<file path=ppt/slides/slide14.xml><?xml version="1.0" encoding="utf-8"?>
+<file path=ppt/slides/slide15.xml><?xml version="1.0" encoding="utf-8"?>
 <p:sld xmlns:a="http://schemas.openxmlformats.org/drawingml/2006/main" xmlns:r="http://schemas.openxmlformats.org/officeDocument/2006/relationships" xmlns:p="http://schemas.openxmlformats.org/presentationml/2006/main">
   <p:cSld>
     <p:spTree>
@@ -21747,7 +21903,7 @@
 </p:sld>
 </file>
 
-<file path=ppt/slides/slide15.xml><?xml version="1.0" encoding="utf-8"?>
+<file path=ppt/slides/slide16.xml><?xml version="1.0" encoding="utf-8"?>
 <p:sld xmlns:a="http://schemas.openxmlformats.org/drawingml/2006/main" xmlns:r="http://schemas.openxmlformats.org/officeDocument/2006/relationships" xmlns:p="http://schemas.openxmlformats.org/presentationml/2006/main">
   <p:cSld>
     <p:spTree>
@@ -21880,7 +22036,7 @@
 </p:sld>
 </file>
 
-<file path=ppt/slides/slide16.xml><?xml version="1.0" encoding="utf-8"?>
+<file path=ppt/slides/slide17.xml><?xml version="1.0" encoding="utf-8"?>
 <p:sld xmlns:a="http://schemas.openxmlformats.org/drawingml/2006/main" xmlns:r="http://schemas.openxmlformats.org/officeDocument/2006/relationships" xmlns:p="http://schemas.openxmlformats.org/presentationml/2006/main">
   <p:cSld>
     <p:spTree>
@@ -22027,7 +22183,7 @@
 </p:sld>
 </file>
 
-<file path=ppt/slides/slide17.xml><?xml version="1.0" encoding="utf-8"?>
+<file path=ppt/slides/slide18.xml><?xml version="1.0" encoding="utf-8"?>
 <p:sld xmlns:a="http://schemas.openxmlformats.org/drawingml/2006/main" xmlns:r="http://schemas.openxmlformats.org/officeDocument/2006/relationships" xmlns:p="http://schemas.openxmlformats.org/presentationml/2006/main">
   <p:cSld>
     <p:spTree>
@@ -22227,7 +22383,7 @@
 </p:sld>
 </file>
 
-<file path=ppt/slides/slide18.xml><?xml version="1.0" encoding="utf-8"?>
+<file path=ppt/slides/slide19.xml><?xml version="1.0" encoding="utf-8"?>
 <p:sld xmlns:a="http://schemas.openxmlformats.org/drawingml/2006/main" xmlns:r="http://schemas.openxmlformats.org/officeDocument/2006/relationships" xmlns:p="http://schemas.openxmlformats.org/presentationml/2006/main">
   <p:cSld>
     <p:spTree>
@@ -22350,135 +22506,6 @@
     <p:extLst>
       <p:ext uri="{BB962C8B-B14F-4D97-AF65-F5344CB8AC3E}">
         <p14:creationId xmlns:p14="http://schemas.microsoft.com/office/powerpoint/2010/main" val="1602376769"/>
-      </p:ext>
-    </p:extLst>
-  </p:cSld>
-  <p:clrMapOvr>
-    <a:masterClrMapping/>
-  </p:clrMapOvr>
-  <p:transition>
-    <p:fade/>
-  </p:transition>
-</p:sld>
-</file>
-
-<file path=ppt/slides/slide19.xml><?xml version="1.0" encoding="utf-8"?>
-<p:sld xmlns:a="http://schemas.openxmlformats.org/drawingml/2006/main" xmlns:r="http://schemas.openxmlformats.org/officeDocument/2006/relationships" xmlns:p="http://schemas.openxmlformats.org/presentationml/2006/main">
-  <p:cSld>
-    <p:spTree>
-      <p:nvGrpSpPr>
-        <p:cNvPr id="1" name=""/>
-        <p:cNvGrpSpPr/>
-        <p:nvPr/>
-      </p:nvGrpSpPr>
-      <p:grpSpPr>
-        <a:xfrm>
-          <a:off x="0" y="0"/>
-          <a:ext cx="0" cy="0"/>
-          <a:chOff x="0" y="0"/>
-          <a:chExt cx="0" cy="0"/>
-        </a:xfrm>
-      </p:grpSpPr>
-      <p:sp>
-        <p:nvSpPr>
-          <p:cNvPr id="2" name="Title 1">
-            <a:extLst>
-              <a:ext uri="{FF2B5EF4-FFF2-40B4-BE49-F238E27FC236}">
-                <a16:creationId xmlns:a16="http://schemas.microsoft.com/office/drawing/2014/main" id="{6B29288C-0566-4034-9D85-259FC4243BF8}"/>
-              </a:ext>
-            </a:extLst>
-          </p:cNvPr>
-          <p:cNvSpPr>
-            <a:spLocks noGrp="1"/>
-          </p:cNvSpPr>
-          <p:nvPr>
-            <p:ph type="title"/>
-          </p:nvPr>
-        </p:nvSpPr>
-        <p:spPr>
-          <a:xfrm>
-            <a:off x="588263" y="457200"/>
-            <a:ext cx="11018520" cy="553998"/>
-          </a:xfrm>
-        </p:spPr>
-        <p:txBody>
-          <a:bodyPr/>
-          <a:lstStyle/>
-          <a:p>
-            <a:r>
-              <a:rPr lang="en-US" dirty="0"/>
-              <a:t>Chain of Responsibility</a:t>
-            </a:r>
-          </a:p>
-        </p:txBody>
-      </p:sp>
-      <p:sp>
-        <p:nvSpPr>
-          <p:cNvPr id="3" name="Text Placeholder 2">
-            <a:extLst>
-              <a:ext uri="{FF2B5EF4-FFF2-40B4-BE49-F238E27FC236}">
-                <a16:creationId xmlns:a16="http://schemas.microsoft.com/office/drawing/2014/main" id="{566806E0-06E9-459F-BABE-AAF06830B6EC}"/>
-              </a:ext>
-            </a:extLst>
-          </p:cNvPr>
-          <p:cNvSpPr>
-            <a:spLocks noGrp="1"/>
-          </p:cNvSpPr>
-          <p:nvPr>
-            <p:ph type="body" sz="quarter" idx="10"/>
-          </p:nvPr>
-        </p:nvSpPr>
-        <p:spPr>
-          <a:xfrm>
-            <a:off x="586390" y="1434370"/>
-            <a:ext cx="11018520" cy="1723549"/>
-          </a:xfrm>
-        </p:spPr>
-        <p:txBody>
-          <a:bodyPr/>
-          <a:lstStyle/>
-          <a:p>
-            <a:r>
-              <a:rPr lang="en-US" dirty="0"/>
-              <a:t>Avoid coupling the sender of a request to its receiver by giving more than one object a chance to handle the request. Chain the receiving objects and pass the request along the chain until an object handles it.</a:t>
-            </a:r>
-          </a:p>
-        </p:txBody>
-      </p:sp>
-      <p:pic>
-        <p:nvPicPr>
-          <p:cNvPr id="4" name="Picture 3">
-            <a:extLst>
-              <a:ext uri="{FF2B5EF4-FFF2-40B4-BE49-F238E27FC236}">
-                <a16:creationId xmlns:a16="http://schemas.microsoft.com/office/drawing/2014/main" id="{CC27D864-F03D-475B-9480-AB751E627350}"/>
-              </a:ext>
-            </a:extLst>
-          </p:cNvPr>
-          <p:cNvPicPr>
-            <a:picLocks noChangeAspect="1"/>
-          </p:cNvPicPr>
-          <p:nvPr/>
-        </p:nvPicPr>
-        <p:blipFill>
-          <a:blip r:embed="rId2"/>
-          <a:stretch>
-            <a:fillRect/>
-          </a:stretch>
-        </p:blipFill>
-        <p:spPr>
-          <a:xfrm>
-            <a:off x="2234152" y="3583618"/>
-            <a:ext cx="7723697" cy="2943210"/>
-          </a:xfrm>
-          <a:prstGeom prst="rect">
-            <a:avLst/>
-          </a:prstGeom>
-        </p:spPr>
-      </p:pic>
-    </p:spTree>
-    <p:extLst>
-      <p:ext uri="{BB962C8B-B14F-4D97-AF65-F5344CB8AC3E}">
-        <p14:creationId xmlns:p14="http://schemas.microsoft.com/office/powerpoint/2010/main" val="595461944"/>
       </p:ext>
     </p:extLst>
   </p:cSld>
@@ -22613,6 +22640,135 @@
           <p:cNvPr id="2" name="Title 1">
             <a:extLst>
               <a:ext uri="{FF2B5EF4-FFF2-40B4-BE49-F238E27FC236}">
+                <a16:creationId xmlns:a16="http://schemas.microsoft.com/office/drawing/2014/main" id="{6B29288C-0566-4034-9D85-259FC4243BF8}"/>
+              </a:ext>
+            </a:extLst>
+          </p:cNvPr>
+          <p:cNvSpPr>
+            <a:spLocks noGrp="1"/>
+          </p:cNvSpPr>
+          <p:nvPr>
+            <p:ph type="title"/>
+          </p:nvPr>
+        </p:nvSpPr>
+        <p:spPr>
+          <a:xfrm>
+            <a:off x="588263" y="457200"/>
+            <a:ext cx="11018520" cy="553998"/>
+          </a:xfrm>
+        </p:spPr>
+        <p:txBody>
+          <a:bodyPr/>
+          <a:lstStyle/>
+          <a:p>
+            <a:r>
+              <a:rPr lang="en-US" dirty="0"/>
+              <a:t>Chain of Responsibility</a:t>
+            </a:r>
+          </a:p>
+        </p:txBody>
+      </p:sp>
+      <p:sp>
+        <p:nvSpPr>
+          <p:cNvPr id="3" name="Text Placeholder 2">
+            <a:extLst>
+              <a:ext uri="{FF2B5EF4-FFF2-40B4-BE49-F238E27FC236}">
+                <a16:creationId xmlns:a16="http://schemas.microsoft.com/office/drawing/2014/main" id="{566806E0-06E9-459F-BABE-AAF06830B6EC}"/>
+              </a:ext>
+            </a:extLst>
+          </p:cNvPr>
+          <p:cNvSpPr>
+            <a:spLocks noGrp="1"/>
+          </p:cNvSpPr>
+          <p:nvPr>
+            <p:ph type="body" sz="quarter" idx="10"/>
+          </p:nvPr>
+        </p:nvSpPr>
+        <p:spPr>
+          <a:xfrm>
+            <a:off x="586390" y="1434370"/>
+            <a:ext cx="11018520" cy="1723549"/>
+          </a:xfrm>
+        </p:spPr>
+        <p:txBody>
+          <a:bodyPr/>
+          <a:lstStyle/>
+          <a:p>
+            <a:r>
+              <a:rPr lang="en-US" dirty="0"/>
+              <a:t>Avoid coupling the sender of a request to its receiver by giving more than one object a chance to handle the request. Chain the receiving objects and pass the request along the chain until an object handles it.</a:t>
+            </a:r>
+          </a:p>
+        </p:txBody>
+      </p:sp>
+      <p:pic>
+        <p:nvPicPr>
+          <p:cNvPr id="4" name="Picture 3">
+            <a:extLst>
+              <a:ext uri="{FF2B5EF4-FFF2-40B4-BE49-F238E27FC236}">
+                <a16:creationId xmlns:a16="http://schemas.microsoft.com/office/drawing/2014/main" id="{CC27D864-F03D-475B-9480-AB751E627350}"/>
+              </a:ext>
+            </a:extLst>
+          </p:cNvPr>
+          <p:cNvPicPr>
+            <a:picLocks noChangeAspect="1"/>
+          </p:cNvPicPr>
+          <p:nvPr/>
+        </p:nvPicPr>
+        <p:blipFill>
+          <a:blip r:embed="rId2"/>
+          <a:stretch>
+            <a:fillRect/>
+          </a:stretch>
+        </p:blipFill>
+        <p:spPr>
+          <a:xfrm>
+            <a:off x="2234152" y="3583618"/>
+            <a:ext cx="7723697" cy="2943210"/>
+          </a:xfrm>
+          <a:prstGeom prst="rect">
+            <a:avLst/>
+          </a:prstGeom>
+        </p:spPr>
+      </p:pic>
+    </p:spTree>
+    <p:extLst>
+      <p:ext uri="{BB962C8B-B14F-4D97-AF65-F5344CB8AC3E}">
+        <p14:creationId xmlns:p14="http://schemas.microsoft.com/office/powerpoint/2010/main" val="595461944"/>
+      </p:ext>
+    </p:extLst>
+  </p:cSld>
+  <p:clrMapOvr>
+    <a:masterClrMapping/>
+  </p:clrMapOvr>
+  <p:transition>
+    <p:fade/>
+  </p:transition>
+</p:sld>
+</file>
+
+<file path=ppt/slides/slide21.xml><?xml version="1.0" encoding="utf-8"?>
+<p:sld xmlns:a="http://schemas.openxmlformats.org/drawingml/2006/main" xmlns:r="http://schemas.openxmlformats.org/officeDocument/2006/relationships" xmlns:p="http://schemas.openxmlformats.org/presentationml/2006/main">
+  <p:cSld>
+    <p:spTree>
+      <p:nvGrpSpPr>
+        <p:cNvPr id="1" name=""/>
+        <p:cNvGrpSpPr/>
+        <p:nvPr/>
+      </p:nvGrpSpPr>
+      <p:grpSpPr>
+        <a:xfrm>
+          <a:off x="0" y="0"/>
+          <a:ext cx="0" cy="0"/>
+          <a:chOff x="0" y="0"/>
+          <a:chExt cx="0" cy="0"/>
+        </a:xfrm>
+      </p:grpSpPr>
+      <p:sp>
+        <p:nvSpPr>
+          <p:cNvPr id="2" name="Title 1">
+            <a:extLst>
+              <a:ext uri="{FF2B5EF4-FFF2-40B4-BE49-F238E27FC236}">
                 <a16:creationId xmlns:a16="http://schemas.microsoft.com/office/drawing/2014/main" id="{F2C45053-9D55-4DC3-BD97-1F582D02E9D5}"/>
               </a:ext>
             </a:extLst>
@@ -22715,7 +22871,7 @@
 </p:sld>
 </file>
 
-<file path=ppt/slides/slide21.xml><?xml version="1.0" encoding="utf-8"?>
+<file path=ppt/slides/slide22.xml><?xml version="1.0" encoding="utf-8"?>
 <p:sld xmlns:a="http://schemas.openxmlformats.org/drawingml/2006/main" xmlns:r="http://schemas.openxmlformats.org/officeDocument/2006/relationships" xmlns:p="http://schemas.openxmlformats.org/presentationml/2006/main">
   <p:cSld>
     <p:spTree>
@@ -26565,20 +26721,20 @@
 </file>
 
 <file path=customXml/item1.xml><?xml version="1.0" encoding="utf-8"?>
-<p:properties xmlns:p="http://schemas.microsoft.com/office/2006/metadata/properties" xmlns:xsi="http://www.w3.org/2001/XMLSchema-instance" xmlns:pc="http://schemas.microsoft.com/office/infopath/2007/PartnerControls">
-  <documentManagement>
-    <MediaServiceKeyPoints xmlns="965de625-df5b-42e9-a277-2113da4f1195" xsi:nil="true"/>
-  </documentManagement>
-</p:properties>
-</file>
-
-<file path=customXml/item2.xml><?xml version="1.0" encoding="utf-8"?>
 <?mso-contentType ?>
 <FormTemplates xmlns="http://schemas.microsoft.com/sharepoint/v3/contenttype/forms">
   <Display>DocumentLibraryForm</Display>
   <Edit>DocumentLibraryForm</Edit>
   <New>DocumentLibraryForm</New>
 </FormTemplates>
+</file>
+
+<file path=customXml/item2.xml><?xml version="1.0" encoding="utf-8"?>
+<p:properties xmlns:p="http://schemas.microsoft.com/office/2006/metadata/properties" xmlns:xsi="http://www.w3.org/2001/XMLSchema-instance" xmlns:pc="http://schemas.microsoft.com/office/infopath/2007/PartnerControls">
+  <documentManagement>
+    <MediaServiceKeyPoints xmlns="965de625-df5b-42e9-a277-2113da4f1195" xsi:nil="true"/>
+  </documentManagement>
+</p:properties>
 </file>
 
 <file path=customXml/item3.xml><?xml version="1.0" encoding="utf-8"?>
@@ -26813,6 +26969,14 @@
 </file>
 
 <file path=customXml/itemProps1.xml><?xml version="1.0" encoding="utf-8"?>
+<ds:datastoreItem xmlns:ds="http://schemas.openxmlformats.org/officeDocument/2006/customXml" ds:itemID="{758FDAC0-319D-4A54-8D8E-1D42CB1F8004}">
+  <ds:schemaRefs>
+    <ds:schemaRef ds:uri="http://schemas.microsoft.com/sharepoint/v3/contenttype/forms"/>
+  </ds:schemaRefs>
+</ds:datastoreItem>
+</file>
+
+<file path=customXml/itemProps2.xml><?xml version="1.0" encoding="utf-8"?>
 <ds:datastoreItem xmlns:ds="http://schemas.openxmlformats.org/officeDocument/2006/customXml" ds:itemID="{F990F116-B58F-4255-B05B-DA3808E0E5C6}">
   <ds:schemaRefs>
     <ds:schemaRef ds:uri="http://purl.org/dc/elements/1.1/"/>
@@ -26827,14 +26991,6 @@
     <ds:schemaRef ds:uri="http://www.w3.org/XML/1998/namespace"/>
     <ds:schemaRef ds:uri="http://purl.org/dc/terms/"/>
     <ds:schemaRef ds:uri="965de625-df5b-42e9-a277-2113da4f1195"/>
-  </ds:schemaRefs>
-</ds:datastoreItem>
-</file>
-
-<file path=customXml/itemProps2.xml><?xml version="1.0" encoding="utf-8"?>
-<ds:datastoreItem xmlns:ds="http://schemas.openxmlformats.org/officeDocument/2006/customXml" ds:itemID="{758FDAC0-319D-4A54-8D8E-1D42CB1F8004}">
-  <ds:schemaRefs>
-    <ds:schemaRef ds:uri="http://schemas.microsoft.com/sharepoint/v3/contenttype/forms"/>
   </ds:schemaRefs>
 </ds:datastoreItem>
 </file>
